--- a/Java Basics/Java Basics 7.pptx
+++ b/Java Basics/Java Basics 7.pptx
@@ -5,28 +5,29 @@
     <p:sldMasterId id="2147483648" r:id="rId1"/>
   </p:sldMasterIdLst>
   <p:notesMasterIdLst>
-    <p:notesMasterId r:id="rId21"/>
+    <p:notesMasterId r:id="rId22"/>
   </p:notesMasterIdLst>
   <p:sldIdLst>
     <p:sldId id="256" r:id="rId2"/>
-    <p:sldId id="257" r:id="rId3"/>
-    <p:sldId id="258" r:id="rId4"/>
-    <p:sldId id="259" r:id="rId5"/>
-    <p:sldId id="260" r:id="rId6"/>
+    <p:sldId id="258" r:id="rId3"/>
+    <p:sldId id="259" r:id="rId4"/>
+    <p:sldId id="260" r:id="rId5"/>
+    <p:sldId id="276" r:id="rId6"/>
     <p:sldId id="261" r:id="rId7"/>
     <p:sldId id="262" r:id="rId8"/>
-    <p:sldId id="263" r:id="rId9"/>
-    <p:sldId id="264" r:id="rId10"/>
-    <p:sldId id="265" r:id="rId11"/>
-    <p:sldId id="266" r:id="rId12"/>
-    <p:sldId id="267" r:id="rId13"/>
-    <p:sldId id="268" r:id="rId14"/>
-    <p:sldId id="269" r:id="rId15"/>
-    <p:sldId id="270" r:id="rId16"/>
-    <p:sldId id="271" r:id="rId17"/>
-    <p:sldId id="272" r:id="rId18"/>
-    <p:sldId id="273" r:id="rId19"/>
-    <p:sldId id="274" r:id="rId20"/>
+    <p:sldId id="277" r:id="rId9"/>
+    <p:sldId id="263" r:id="rId10"/>
+    <p:sldId id="264" r:id="rId11"/>
+    <p:sldId id="265" r:id="rId12"/>
+    <p:sldId id="266" r:id="rId13"/>
+    <p:sldId id="267" r:id="rId14"/>
+    <p:sldId id="268" r:id="rId15"/>
+    <p:sldId id="269" r:id="rId16"/>
+    <p:sldId id="270" r:id="rId17"/>
+    <p:sldId id="271" r:id="rId18"/>
+    <p:sldId id="272" r:id="rId19"/>
+    <p:sldId id="273" r:id="rId20"/>
+    <p:sldId id="274" r:id="rId21"/>
   </p:sldIdLst>
   <p:sldSz cx="12192000" cy="6858000"/>
   <p:notesSz cx="6858000" cy="9144000"/>
@@ -125,6 +126,11 @@
       </a:defRPr>
     </a:lvl9pPr>
   </p:defaultTextStyle>
+  <p:extLst>
+    <p:ext uri="{EFAFB233-063F-42B5-8137-9DF3F51BA10A}">
+      <p15:sldGuideLst xmlns:p15="http://schemas.microsoft.com/office/powerpoint/2012/main"/>
+    </p:ext>
+  </p:extLst>
 </p:presentation>
 </file>
 
@@ -210,7 +216,7 @@
           <a:p>
             <a:fld id="{476A937D-1C4F-4C4C-8B37-DA90612D171A}" type="datetimeFigureOut">
               <a:rPr kumimoji="1" lang="zh-CN" altLang="en-US" smtClean="0"/>
-              <a:t>2023/2/20</a:t>
+              <a:t>2023/2/21</a:t>
             </a:fld>
             <a:endParaRPr kumimoji="1" lang="zh-CN" altLang="en-US"/>
           </a:p>
@@ -626,7 +632,7 @@
           <a:p>
             <a:fld id="{671C5D71-3523-C740-BC11-BC5E55C161C9}" type="slidenum">
               <a:rPr kumimoji="1" lang="zh-CN" altLang="en-US" smtClean="0"/>
-              <a:t>19</a:t>
+              <a:t>20</a:t>
             </a:fld>
             <a:endParaRPr kumimoji="1" lang="zh-CN" altLang="en-US"/>
           </a:p>
@@ -792,7 +798,7 @@
           <a:p>
             <a:fld id="{505DFE11-C61D-1B4D-97D6-1C62AE5B5B3F}" type="datetimeFigureOut">
               <a:rPr kumimoji="1" lang="zh-CN" altLang="en-US" smtClean="0"/>
-              <a:t>2023/2/20</a:t>
+              <a:t>2023/2/21</a:t>
             </a:fld>
             <a:endParaRPr kumimoji="1" lang="zh-CN" altLang="en-US"/>
           </a:p>
@@ -990,7 +996,7 @@
           <a:p>
             <a:fld id="{505DFE11-C61D-1B4D-97D6-1C62AE5B5B3F}" type="datetimeFigureOut">
               <a:rPr kumimoji="1" lang="zh-CN" altLang="en-US" smtClean="0"/>
-              <a:t>2023/2/20</a:t>
+              <a:t>2023/2/21</a:t>
             </a:fld>
             <a:endParaRPr kumimoji="1" lang="zh-CN" altLang="en-US"/>
           </a:p>
@@ -1198,7 +1204,7 @@
           <a:p>
             <a:fld id="{505DFE11-C61D-1B4D-97D6-1C62AE5B5B3F}" type="datetimeFigureOut">
               <a:rPr kumimoji="1" lang="zh-CN" altLang="en-US" smtClean="0"/>
-              <a:t>2023/2/20</a:t>
+              <a:t>2023/2/21</a:t>
             </a:fld>
             <a:endParaRPr kumimoji="1" lang="zh-CN" altLang="en-US"/>
           </a:p>
@@ -1396,7 +1402,7 @@
           <a:p>
             <a:fld id="{505DFE11-C61D-1B4D-97D6-1C62AE5B5B3F}" type="datetimeFigureOut">
               <a:rPr kumimoji="1" lang="zh-CN" altLang="en-US" smtClean="0"/>
-              <a:t>2023/2/20</a:t>
+              <a:t>2023/2/21</a:t>
             </a:fld>
             <a:endParaRPr kumimoji="1" lang="zh-CN" altLang="en-US"/>
           </a:p>
@@ -1671,7 +1677,7 @@
           <a:p>
             <a:fld id="{505DFE11-C61D-1B4D-97D6-1C62AE5B5B3F}" type="datetimeFigureOut">
               <a:rPr kumimoji="1" lang="zh-CN" altLang="en-US" smtClean="0"/>
-              <a:t>2023/2/20</a:t>
+              <a:t>2023/2/21</a:t>
             </a:fld>
             <a:endParaRPr kumimoji="1" lang="zh-CN" altLang="en-US"/>
           </a:p>
@@ -1936,7 +1942,7 @@
           <a:p>
             <a:fld id="{505DFE11-C61D-1B4D-97D6-1C62AE5B5B3F}" type="datetimeFigureOut">
               <a:rPr kumimoji="1" lang="zh-CN" altLang="en-US" smtClean="0"/>
-              <a:t>2023/2/20</a:t>
+              <a:t>2023/2/21</a:t>
             </a:fld>
             <a:endParaRPr kumimoji="1" lang="zh-CN" altLang="en-US"/>
           </a:p>
@@ -2348,7 +2354,7 @@
           <a:p>
             <a:fld id="{505DFE11-C61D-1B4D-97D6-1C62AE5B5B3F}" type="datetimeFigureOut">
               <a:rPr kumimoji="1" lang="zh-CN" altLang="en-US" smtClean="0"/>
-              <a:t>2023/2/20</a:t>
+              <a:t>2023/2/21</a:t>
             </a:fld>
             <a:endParaRPr kumimoji="1" lang="zh-CN" altLang="en-US"/>
           </a:p>
@@ -2489,7 +2495,7 @@
           <a:p>
             <a:fld id="{505DFE11-C61D-1B4D-97D6-1C62AE5B5B3F}" type="datetimeFigureOut">
               <a:rPr kumimoji="1" lang="zh-CN" altLang="en-US" smtClean="0"/>
-              <a:t>2023/2/20</a:t>
+              <a:t>2023/2/21</a:t>
             </a:fld>
             <a:endParaRPr kumimoji="1" lang="zh-CN" altLang="en-US"/>
           </a:p>
@@ -2602,7 +2608,7 @@
           <a:p>
             <a:fld id="{505DFE11-C61D-1B4D-97D6-1C62AE5B5B3F}" type="datetimeFigureOut">
               <a:rPr kumimoji="1" lang="zh-CN" altLang="en-US" smtClean="0"/>
-              <a:t>2023/2/20</a:t>
+              <a:t>2023/2/21</a:t>
             </a:fld>
             <a:endParaRPr kumimoji="1" lang="zh-CN" altLang="en-US"/>
           </a:p>
@@ -2913,7 +2919,7 @@
           <a:p>
             <a:fld id="{505DFE11-C61D-1B4D-97D6-1C62AE5B5B3F}" type="datetimeFigureOut">
               <a:rPr kumimoji="1" lang="zh-CN" altLang="en-US" smtClean="0"/>
-              <a:t>2023/2/20</a:t>
+              <a:t>2023/2/21</a:t>
             </a:fld>
             <a:endParaRPr kumimoji="1" lang="zh-CN" altLang="en-US"/>
           </a:p>
@@ -3201,7 +3207,7 @@
           <a:p>
             <a:fld id="{505DFE11-C61D-1B4D-97D6-1C62AE5B5B3F}" type="datetimeFigureOut">
               <a:rPr kumimoji="1" lang="zh-CN" altLang="en-US" smtClean="0"/>
-              <a:t>2023/2/20</a:t>
+              <a:t>2023/2/21</a:t>
             </a:fld>
             <a:endParaRPr kumimoji="1" lang="zh-CN" altLang="en-US"/>
           </a:p>
@@ -3442,7 +3448,7 @@
           <a:p>
             <a:fld id="{505DFE11-C61D-1B4D-97D6-1C62AE5B5B3F}" type="datetimeFigureOut">
               <a:rPr kumimoji="1" lang="zh-CN" altLang="en-US" smtClean="0"/>
-              <a:t>2023/2/20</a:t>
+              <a:t>2023/2/21</a:t>
             </a:fld>
             <a:endParaRPr kumimoji="1" lang="zh-CN" altLang="en-US"/>
           </a:p>
@@ -3952,7 +3958,7 @@
           <p:cNvPr id="2" name="标题 1">
             <a:extLst>
               <a:ext uri="{FF2B5EF4-FFF2-40B4-BE49-F238E27FC236}">
-                <a16:creationId xmlns:a16="http://schemas.microsoft.com/office/drawing/2014/main" id="{984C02CA-B33F-2F42-844E-2788832F8001}"/>
+                <a16:creationId xmlns:a16="http://schemas.microsoft.com/office/drawing/2014/main" id="{DE23F795-B491-E04A-8ED1-257CCA005BC4}"/>
               </a:ext>
             </a:extLst>
           </p:cNvPr>
@@ -3972,49 +3978,56 @@
           <a:p>
             <a:r>
               <a:rPr kumimoji="1" lang="en" altLang="zh-CN" dirty="0"/>
-              <a:t>163.What are the differences between a HashMap and a </a:t>
+              <a:t>162.What are the differences between a HashMap and a </a:t>
             </a:r>
             <a:r>
               <a:rPr kumimoji="1" lang="en" altLang="zh-CN" dirty="0" err="1"/>
-              <a:t>TreeMap</a:t>
+              <a:t>Hashtable</a:t>
             </a:r>
             <a:r>
               <a:rPr kumimoji="1" lang="en" altLang="zh-CN" dirty="0"/>
-              <a:t>?</a:t>
+              <a:t> in Java?</a:t>
             </a:r>
             <a:endParaRPr kumimoji="1" lang="zh-CN" altLang="en-US" dirty="0"/>
           </a:p>
         </p:txBody>
       </p:sp>
-      <p:sp>
-        <p:nvSpPr>
-          <p:cNvPr id="3" name="内容占位符 2">
-            <a:extLst>
-              <a:ext uri="{FF2B5EF4-FFF2-40B4-BE49-F238E27FC236}">
-                <a16:creationId xmlns:a16="http://schemas.microsoft.com/office/drawing/2014/main" id="{5663D612-0DAE-144B-9B62-6FEC767B31D0}"/>
-              </a:ext>
-            </a:extLst>
-          </p:cNvPr>
-          <p:cNvSpPr>
-            <a:spLocks noGrp="1"/>
-          </p:cNvSpPr>
+      <p:pic>
+        <p:nvPicPr>
+          <p:cNvPr id="4" name="内容占位符 3">
+            <a:extLst>
+              <a:ext uri="{FF2B5EF4-FFF2-40B4-BE49-F238E27FC236}">
+                <a16:creationId xmlns:a16="http://schemas.microsoft.com/office/drawing/2014/main" id="{95C67CD4-6788-3E40-AE4A-10B8ECB27A7A}"/>
+              </a:ext>
+            </a:extLst>
+          </p:cNvPr>
+          <p:cNvPicPr>
+            <a:picLocks noGrp="1" noChangeAspect="1"/>
+          </p:cNvPicPr>
           <p:nvPr>
             <p:ph idx="1"/>
           </p:nvPr>
-        </p:nvSpPr>
-        <p:spPr/>
-        <p:txBody>
-          <a:bodyPr/>
-          <a:lstStyle/>
-          <a:p>
-            <a:endParaRPr kumimoji="1" lang="zh-CN" altLang="en-US"/>
-          </a:p>
-        </p:txBody>
-      </p:sp>
+        </p:nvPicPr>
+        <p:blipFill>
+          <a:blip r:embed="rId2"/>
+          <a:stretch>
+            <a:fillRect/>
+          </a:stretch>
+        </p:blipFill>
+        <p:spPr>
+          <a:xfrm>
+            <a:off x="2494893" y="1825625"/>
+            <a:ext cx="7202214" cy="4351338"/>
+          </a:xfrm>
+          <a:prstGeom prst="rect">
+            <a:avLst/>
+          </a:prstGeom>
+        </p:spPr>
+      </p:pic>
     </p:spTree>
     <p:extLst>
       <p:ext uri="{BB962C8B-B14F-4D97-AF65-F5344CB8AC3E}">
-        <p14:creationId xmlns:p14="http://schemas.microsoft.com/office/powerpoint/2010/main" val="3844675053"/>
+        <p14:creationId xmlns:p14="http://schemas.microsoft.com/office/powerpoint/2010/main" val="3095731537"/>
       </p:ext>
     </p:extLst>
   </p:cSld>
@@ -4046,7 +4059,7 @@
           <p:cNvPr id="2" name="标题 1">
             <a:extLst>
               <a:ext uri="{FF2B5EF4-FFF2-40B4-BE49-F238E27FC236}">
-                <a16:creationId xmlns:a16="http://schemas.microsoft.com/office/drawing/2014/main" id="{1B897590-273A-E84F-825E-1AE239198E3A}"/>
+                <a16:creationId xmlns:a16="http://schemas.microsoft.com/office/drawing/2014/main" id="{984C02CA-B33F-2F42-844E-2788832F8001}"/>
               </a:ext>
             </a:extLst>
           </p:cNvPr>
@@ -4066,41 +4079,56 @@
           <a:p>
             <a:r>
               <a:rPr kumimoji="1" lang="en" altLang="zh-CN" dirty="0"/>
-              <a:t>164.What are the differences between Comparable and Comparator?</a:t>
+              <a:t>163.What are the differences between a HashMap and a </a:t>
+            </a:r>
+            <a:r>
+              <a:rPr kumimoji="1" lang="en" altLang="zh-CN" dirty="0" err="1"/>
+              <a:t>TreeMap</a:t>
+            </a:r>
+            <a:r>
+              <a:rPr kumimoji="1" lang="en" altLang="zh-CN" dirty="0"/>
+              <a:t>?</a:t>
             </a:r>
             <a:endParaRPr kumimoji="1" lang="zh-CN" altLang="en-US" dirty="0"/>
           </a:p>
         </p:txBody>
       </p:sp>
-      <p:sp>
-        <p:nvSpPr>
-          <p:cNvPr id="3" name="内容占位符 2">
-            <a:extLst>
-              <a:ext uri="{FF2B5EF4-FFF2-40B4-BE49-F238E27FC236}">
-                <a16:creationId xmlns:a16="http://schemas.microsoft.com/office/drawing/2014/main" id="{2EE766F8-AE03-4246-93BA-F8AE7AC81614}"/>
-              </a:ext>
-            </a:extLst>
-          </p:cNvPr>
-          <p:cNvSpPr>
-            <a:spLocks noGrp="1"/>
-          </p:cNvSpPr>
+      <p:pic>
+        <p:nvPicPr>
+          <p:cNvPr id="4" name="内容占位符 3">
+            <a:extLst>
+              <a:ext uri="{FF2B5EF4-FFF2-40B4-BE49-F238E27FC236}">
+                <a16:creationId xmlns:a16="http://schemas.microsoft.com/office/drawing/2014/main" id="{B0F0A075-684D-E74C-97DD-E08F2476951A}"/>
+              </a:ext>
+            </a:extLst>
+          </p:cNvPr>
+          <p:cNvPicPr>
+            <a:picLocks noGrp="1" noChangeAspect="1"/>
+          </p:cNvPicPr>
           <p:nvPr>
             <p:ph idx="1"/>
           </p:nvPr>
-        </p:nvSpPr>
-        <p:spPr/>
-        <p:txBody>
-          <a:bodyPr/>
-          <a:lstStyle/>
-          <a:p>
-            <a:endParaRPr kumimoji="1" lang="zh-CN" altLang="en-US"/>
-          </a:p>
-        </p:txBody>
-      </p:sp>
+        </p:nvPicPr>
+        <p:blipFill>
+          <a:blip r:embed="rId2"/>
+          <a:stretch>
+            <a:fillRect/>
+          </a:stretch>
+        </p:blipFill>
+        <p:spPr>
+          <a:xfrm>
+            <a:off x="3666631" y="1825625"/>
+            <a:ext cx="4858737" cy="4351338"/>
+          </a:xfrm>
+          <a:prstGeom prst="rect">
+            <a:avLst/>
+          </a:prstGeom>
+        </p:spPr>
+      </p:pic>
     </p:spTree>
     <p:extLst>
       <p:ext uri="{BB962C8B-B14F-4D97-AF65-F5344CB8AC3E}">
-        <p14:creationId xmlns:p14="http://schemas.microsoft.com/office/powerpoint/2010/main" val="781551281"/>
+        <p14:creationId xmlns:p14="http://schemas.microsoft.com/office/powerpoint/2010/main" val="3844675053"/>
       </p:ext>
     </p:extLst>
   </p:cSld>
@@ -4132,7 +4160,7 @@
           <p:cNvPr id="2" name="标题 1">
             <a:extLst>
               <a:ext uri="{FF2B5EF4-FFF2-40B4-BE49-F238E27FC236}">
-                <a16:creationId xmlns:a16="http://schemas.microsoft.com/office/drawing/2014/main" id="{EBEF99B6-33AF-9644-9538-3B2D437B4239}"/>
+                <a16:creationId xmlns:a16="http://schemas.microsoft.com/office/drawing/2014/main" id="{1B897590-273A-E84F-825E-1AE239198E3A}"/>
               </a:ext>
             </a:extLst>
           </p:cNvPr>
@@ -4152,41 +4180,76 @@
           <a:p>
             <a:r>
               <a:rPr kumimoji="1" lang="en" altLang="zh-CN" dirty="0"/>
-              <a:t>165.In Java, what is the purpose of Properties file?</a:t>
+              <a:t>164.What are the differences between Comparable and Comparator?</a:t>
             </a:r>
             <a:endParaRPr kumimoji="1" lang="zh-CN" altLang="en-US" dirty="0"/>
           </a:p>
         </p:txBody>
       </p:sp>
-      <p:sp>
-        <p:nvSpPr>
-          <p:cNvPr id="3" name="内容占位符 2">
-            <a:extLst>
-              <a:ext uri="{FF2B5EF4-FFF2-40B4-BE49-F238E27FC236}">
-                <a16:creationId xmlns:a16="http://schemas.microsoft.com/office/drawing/2014/main" id="{A82E3FFC-DB05-B346-B95E-95C1A10E8CF2}"/>
-              </a:ext>
-            </a:extLst>
-          </p:cNvPr>
-          <p:cNvSpPr>
-            <a:spLocks noGrp="1"/>
-          </p:cNvSpPr>
-          <p:nvPr>
-            <p:ph idx="1"/>
-          </p:nvPr>
-        </p:nvSpPr>
-        <p:spPr/>
-        <p:txBody>
-          <a:bodyPr/>
-          <a:lstStyle/>
-          <a:p>
-            <a:endParaRPr kumimoji="1" lang="zh-CN" altLang="en-US"/>
-          </a:p>
-        </p:txBody>
-      </p:sp>
+      <p:pic>
+        <p:nvPicPr>
+          <p:cNvPr id="4" name="图片 3">
+            <a:extLst>
+              <a:ext uri="{FF2B5EF4-FFF2-40B4-BE49-F238E27FC236}">
+                <a16:creationId xmlns:a16="http://schemas.microsoft.com/office/drawing/2014/main" id="{9BDAE82E-C6C2-8049-B2E0-0F446D19D793}"/>
+              </a:ext>
+            </a:extLst>
+          </p:cNvPr>
+          <p:cNvPicPr>
+            <a:picLocks noChangeAspect="1"/>
+          </p:cNvPicPr>
+          <p:nvPr/>
+        </p:nvPicPr>
+        <p:blipFill>
+          <a:blip r:embed="rId2"/>
+          <a:stretch>
+            <a:fillRect/>
+          </a:stretch>
+        </p:blipFill>
+        <p:spPr>
+          <a:xfrm>
+            <a:off x="1882007" y="1626581"/>
+            <a:ext cx="8129971" cy="1866526"/>
+          </a:xfrm>
+          <a:prstGeom prst="rect">
+            <a:avLst/>
+          </a:prstGeom>
+        </p:spPr>
+      </p:pic>
+      <p:pic>
+        <p:nvPicPr>
+          <p:cNvPr id="5" name="图片 4">
+            <a:extLst>
+              <a:ext uri="{FF2B5EF4-FFF2-40B4-BE49-F238E27FC236}">
+                <a16:creationId xmlns:a16="http://schemas.microsoft.com/office/drawing/2014/main" id="{E5AC1DAD-BCA3-1245-A5CE-01BE5AD1FED9}"/>
+              </a:ext>
+            </a:extLst>
+          </p:cNvPr>
+          <p:cNvPicPr>
+            <a:picLocks noChangeAspect="1"/>
+          </p:cNvPicPr>
+          <p:nvPr/>
+        </p:nvPicPr>
+        <p:blipFill>
+          <a:blip r:embed="rId3"/>
+          <a:stretch>
+            <a:fillRect/>
+          </a:stretch>
+        </p:blipFill>
+        <p:spPr>
+          <a:xfrm>
+            <a:off x="2614010" y="3662800"/>
+            <a:ext cx="6963979" cy="2830075"/>
+          </a:xfrm>
+          <a:prstGeom prst="rect">
+            <a:avLst/>
+          </a:prstGeom>
+        </p:spPr>
+      </p:pic>
     </p:spTree>
     <p:extLst>
       <p:ext uri="{BB962C8B-B14F-4D97-AF65-F5344CB8AC3E}">
-        <p14:creationId xmlns:p14="http://schemas.microsoft.com/office/powerpoint/2010/main" val="1539634115"/>
+        <p14:creationId xmlns:p14="http://schemas.microsoft.com/office/powerpoint/2010/main" val="781551281"/>
       </p:ext>
     </p:extLst>
   </p:cSld>
@@ -4218,7 +4281,7 @@
           <p:cNvPr id="2" name="标题 1">
             <a:extLst>
               <a:ext uri="{FF2B5EF4-FFF2-40B4-BE49-F238E27FC236}">
-                <a16:creationId xmlns:a16="http://schemas.microsoft.com/office/drawing/2014/main" id="{12114662-DDA5-5746-9C13-3068764FA57A}"/>
+                <a16:creationId xmlns:a16="http://schemas.microsoft.com/office/drawing/2014/main" id="{EBEF99B6-33AF-9644-9538-3B2D437B4239}"/>
               </a:ext>
             </a:extLst>
           </p:cNvPr>
@@ -4238,7 +4301,7 @@
           <a:p>
             <a:r>
               <a:rPr kumimoji="1" lang="en" altLang="zh-CN" dirty="0"/>
-              <a:t>166.What is the reason for overriding equals() method?</a:t>
+              <a:t>165.In Java, what is the purpose of Properties file?</a:t>
             </a:r>
             <a:endParaRPr kumimoji="1" lang="zh-CN" altLang="en-US" dirty="0"/>
           </a:p>
@@ -4249,7 +4312,7 @@
           <p:cNvPr id="3" name="内容占位符 2">
             <a:extLst>
               <a:ext uri="{FF2B5EF4-FFF2-40B4-BE49-F238E27FC236}">
-                <a16:creationId xmlns:a16="http://schemas.microsoft.com/office/drawing/2014/main" id="{CE38496B-FF4A-B84C-9EB3-AF934261AFB8}"/>
+                <a16:creationId xmlns:a16="http://schemas.microsoft.com/office/drawing/2014/main" id="{A82E3FFC-DB05-B346-B95E-95C1A10E8CF2}"/>
               </a:ext>
             </a:extLst>
           </p:cNvPr>
@@ -4272,7 +4335,7 @@
     </p:spTree>
     <p:extLst>
       <p:ext uri="{BB962C8B-B14F-4D97-AF65-F5344CB8AC3E}">
-        <p14:creationId xmlns:p14="http://schemas.microsoft.com/office/powerpoint/2010/main" val="4000811664"/>
+        <p14:creationId xmlns:p14="http://schemas.microsoft.com/office/powerpoint/2010/main" val="1539634115"/>
       </p:ext>
     </p:extLst>
   </p:cSld>
@@ -4304,7 +4367,7 @@
           <p:cNvPr id="2" name="标题 1">
             <a:extLst>
               <a:ext uri="{FF2B5EF4-FFF2-40B4-BE49-F238E27FC236}">
-                <a16:creationId xmlns:a16="http://schemas.microsoft.com/office/drawing/2014/main" id="{7CEC064D-9C93-7241-A856-13D2E46455E1}"/>
+                <a16:creationId xmlns:a16="http://schemas.microsoft.com/office/drawing/2014/main" id="{12114662-DDA5-5746-9C13-3068764FA57A}"/>
               </a:ext>
             </a:extLst>
           </p:cNvPr>
@@ -4324,15 +4387,7 @@
           <a:p>
             <a:r>
               <a:rPr kumimoji="1" lang="en" altLang="zh-CN" dirty="0"/>
-              <a:t>167.How does </a:t>
-            </a:r>
-            <a:r>
-              <a:rPr kumimoji="1" lang="en" altLang="zh-CN" dirty="0" err="1"/>
-              <a:t>hashCode</a:t>
-            </a:r>
-            <a:r>
-              <a:rPr kumimoji="1" lang="en" altLang="zh-CN" dirty="0"/>
-              <a:t>() method work in Java?</a:t>
+              <a:t>166.What is the reason for overriding equals() method?</a:t>
             </a:r>
             <a:endParaRPr kumimoji="1" lang="zh-CN" altLang="en-US" dirty="0"/>
           </a:p>
@@ -4343,7 +4398,7 @@
           <p:cNvPr id="3" name="内容占位符 2">
             <a:extLst>
               <a:ext uri="{FF2B5EF4-FFF2-40B4-BE49-F238E27FC236}">
-                <a16:creationId xmlns:a16="http://schemas.microsoft.com/office/drawing/2014/main" id="{4964DFBC-DCF6-8145-8321-A7F2F3ECC41F}"/>
+                <a16:creationId xmlns:a16="http://schemas.microsoft.com/office/drawing/2014/main" id="{CE38496B-FF4A-B84C-9EB3-AF934261AFB8}"/>
               </a:ext>
             </a:extLst>
           </p:cNvPr>
@@ -4366,7 +4421,7 @@
     </p:spTree>
     <p:extLst>
       <p:ext uri="{BB962C8B-B14F-4D97-AF65-F5344CB8AC3E}">
-        <p14:creationId xmlns:p14="http://schemas.microsoft.com/office/powerpoint/2010/main" val="1040960754"/>
+        <p14:creationId xmlns:p14="http://schemas.microsoft.com/office/powerpoint/2010/main" val="4000811664"/>
       </p:ext>
     </p:extLst>
   </p:cSld>
@@ -4398,7 +4453,7 @@
           <p:cNvPr id="2" name="标题 1">
             <a:extLst>
               <a:ext uri="{FF2B5EF4-FFF2-40B4-BE49-F238E27FC236}">
-                <a16:creationId xmlns:a16="http://schemas.microsoft.com/office/drawing/2014/main" id="{0D61C8DC-6884-1A4B-9763-1A0BC9D48869}"/>
+                <a16:creationId xmlns:a16="http://schemas.microsoft.com/office/drawing/2014/main" id="{7CEC064D-9C93-7241-A856-13D2E46455E1}"/>
               </a:ext>
             </a:extLst>
           </p:cNvPr>
@@ -4418,7 +4473,15 @@
           <a:p>
             <a:r>
               <a:rPr kumimoji="1" lang="en" altLang="zh-CN" dirty="0"/>
-              <a:t>168.Is it a good idea to use Generics in collections?</a:t>
+              <a:t>167.How does </a:t>
+            </a:r>
+            <a:r>
+              <a:rPr kumimoji="1" lang="en" altLang="zh-CN" dirty="0" err="1"/>
+              <a:t>hashCode</a:t>
+            </a:r>
+            <a:r>
+              <a:rPr kumimoji="1" lang="en" altLang="zh-CN" dirty="0"/>
+              <a:t>() method work in Java?</a:t>
             </a:r>
             <a:endParaRPr kumimoji="1" lang="zh-CN" altLang="en-US" dirty="0"/>
           </a:p>
@@ -4429,7 +4492,7 @@
           <p:cNvPr id="3" name="内容占位符 2">
             <a:extLst>
               <a:ext uri="{FF2B5EF4-FFF2-40B4-BE49-F238E27FC236}">
-                <a16:creationId xmlns:a16="http://schemas.microsoft.com/office/drawing/2014/main" id="{5E4FCECE-041A-4747-927A-4E95F95189D1}"/>
+                <a16:creationId xmlns:a16="http://schemas.microsoft.com/office/drawing/2014/main" id="{4964DFBC-DCF6-8145-8321-A7F2F3ECC41F}"/>
               </a:ext>
             </a:extLst>
           </p:cNvPr>
@@ -4452,7 +4515,7 @@
     </p:spTree>
     <p:extLst>
       <p:ext uri="{BB962C8B-B14F-4D97-AF65-F5344CB8AC3E}">
-        <p14:creationId xmlns:p14="http://schemas.microsoft.com/office/powerpoint/2010/main" val="1905952097"/>
+        <p14:creationId xmlns:p14="http://schemas.microsoft.com/office/powerpoint/2010/main" val="1040960754"/>
       </p:ext>
     </p:extLst>
   </p:cSld>
@@ -4484,7 +4547,7 @@
           <p:cNvPr id="2" name="标题 1">
             <a:extLst>
               <a:ext uri="{FF2B5EF4-FFF2-40B4-BE49-F238E27FC236}">
-                <a16:creationId xmlns:a16="http://schemas.microsoft.com/office/drawing/2014/main" id="{79CC8100-2597-6643-A256-B4A38CB7A9A6}"/>
+                <a16:creationId xmlns:a16="http://schemas.microsoft.com/office/drawing/2014/main" id="{0D61C8DC-6884-1A4B-9763-1A0BC9D48869}"/>
               </a:ext>
             </a:extLst>
           </p:cNvPr>
@@ -4497,12 +4560,14 @@
         </p:nvSpPr>
         <p:spPr/>
         <p:txBody>
-          <a:bodyPr/>
+          <a:bodyPr>
+            <a:normAutofit/>
+          </a:bodyPr>
           <a:lstStyle/>
           <a:p>
             <a:r>
               <a:rPr kumimoji="1" lang="en" altLang="zh-CN" dirty="0"/>
-              <a:t>What is maven?</a:t>
+              <a:t>168.Is it a good idea to use Generics in collections?</a:t>
             </a:r>
             <a:endParaRPr kumimoji="1" lang="zh-CN" altLang="en-US" dirty="0"/>
           </a:p>
@@ -4513,7 +4578,7 @@
           <p:cNvPr id="3" name="内容占位符 2">
             <a:extLst>
               <a:ext uri="{FF2B5EF4-FFF2-40B4-BE49-F238E27FC236}">
-                <a16:creationId xmlns:a16="http://schemas.microsoft.com/office/drawing/2014/main" id="{25522E56-4F9F-3D42-A4CF-8331EC14E719}"/>
+                <a16:creationId xmlns:a16="http://schemas.microsoft.com/office/drawing/2014/main" id="{5E4FCECE-041A-4747-927A-4E95F95189D1}"/>
               </a:ext>
             </a:extLst>
           </p:cNvPr>
@@ -4536,7 +4601,7 @@
     </p:spTree>
     <p:extLst>
       <p:ext uri="{BB962C8B-B14F-4D97-AF65-F5344CB8AC3E}">
-        <p14:creationId xmlns:p14="http://schemas.microsoft.com/office/powerpoint/2010/main" val="296982272"/>
+        <p14:creationId xmlns:p14="http://schemas.microsoft.com/office/powerpoint/2010/main" val="1905952097"/>
       </p:ext>
     </p:extLst>
   </p:cSld>
@@ -4568,7 +4633,7 @@
           <p:cNvPr id="2" name="标题 1">
             <a:extLst>
               <a:ext uri="{FF2B5EF4-FFF2-40B4-BE49-F238E27FC236}">
-                <a16:creationId xmlns:a16="http://schemas.microsoft.com/office/drawing/2014/main" id="{D39C912E-F570-004E-A016-310549BE405B}"/>
+                <a16:creationId xmlns:a16="http://schemas.microsoft.com/office/drawing/2014/main" id="{79CC8100-2597-6643-A256-B4A38CB7A9A6}"/>
               </a:ext>
             </a:extLst>
           </p:cNvPr>
@@ -4586,7 +4651,7 @@
           <a:p>
             <a:r>
               <a:rPr kumimoji="1" lang="en" altLang="zh-CN" dirty="0"/>
-              <a:t>Important commands in maven?</a:t>
+              <a:t>What is maven?</a:t>
             </a:r>
             <a:endParaRPr kumimoji="1" lang="zh-CN" altLang="en-US" dirty="0"/>
           </a:p>
@@ -4597,7 +4662,7 @@
           <p:cNvPr id="3" name="内容占位符 2">
             <a:extLst>
               <a:ext uri="{FF2B5EF4-FFF2-40B4-BE49-F238E27FC236}">
-                <a16:creationId xmlns:a16="http://schemas.microsoft.com/office/drawing/2014/main" id="{440DE8C3-1ACF-AA4D-987B-D9E0BF7BCB4D}"/>
+                <a16:creationId xmlns:a16="http://schemas.microsoft.com/office/drawing/2014/main" id="{25522E56-4F9F-3D42-A4CF-8331EC14E719}"/>
               </a:ext>
             </a:extLst>
           </p:cNvPr>
@@ -4620,7 +4685,7 @@
     </p:spTree>
     <p:extLst>
       <p:ext uri="{BB962C8B-B14F-4D97-AF65-F5344CB8AC3E}">
-        <p14:creationId xmlns:p14="http://schemas.microsoft.com/office/powerpoint/2010/main" val="3579389307"/>
+        <p14:creationId xmlns:p14="http://schemas.microsoft.com/office/powerpoint/2010/main" val="296982272"/>
       </p:ext>
     </p:extLst>
   </p:cSld>
@@ -4652,7 +4717,7 @@
           <p:cNvPr id="2" name="标题 1">
             <a:extLst>
               <a:ext uri="{FF2B5EF4-FFF2-40B4-BE49-F238E27FC236}">
-                <a16:creationId xmlns:a16="http://schemas.microsoft.com/office/drawing/2014/main" id="{7D957AD8-7BC6-C04C-A4FB-6C259F9FD605}"/>
+                <a16:creationId xmlns:a16="http://schemas.microsoft.com/office/drawing/2014/main" id="{D39C912E-F570-004E-A016-310549BE405B}"/>
               </a:ext>
             </a:extLst>
           </p:cNvPr>
@@ -4670,15 +4735,7 @@
           <a:p>
             <a:r>
               <a:rPr kumimoji="1" lang="en" altLang="zh-CN" dirty="0"/>
-              <a:t>What is </a:t>
-            </a:r>
-            <a:r>
-              <a:rPr kumimoji="1" lang="en" altLang="zh-CN" dirty="0" err="1"/>
-              <a:t>pom.xml</a:t>
-            </a:r>
-            <a:r>
-              <a:rPr kumimoji="1" lang="en" altLang="zh-CN" dirty="0"/>
-              <a:t> ?  </a:t>
+              <a:t>Important commands in maven?</a:t>
             </a:r>
             <a:endParaRPr kumimoji="1" lang="zh-CN" altLang="en-US" dirty="0"/>
           </a:p>
@@ -4689,7 +4746,7 @@
           <p:cNvPr id="3" name="内容占位符 2">
             <a:extLst>
               <a:ext uri="{FF2B5EF4-FFF2-40B4-BE49-F238E27FC236}">
-                <a16:creationId xmlns:a16="http://schemas.microsoft.com/office/drawing/2014/main" id="{58BEC55E-9AF0-914C-BA1D-FC4E97D63A79}"/>
+                <a16:creationId xmlns:a16="http://schemas.microsoft.com/office/drawing/2014/main" id="{440DE8C3-1ACF-AA4D-987B-D9E0BF7BCB4D}"/>
               </a:ext>
             </a:extLst>
           </p:cNvPr>
@@ -4712,7 +4769,7 @@
     </p:spTree>
     <p:extLst>
       <p:ext uri="{BB962C8B-B14F-4D97-AF65-F5344CB8AC3E}">
-        <p14:creationId xmlns:p14="http://schemas.microsoft.com/office/powerpoint/2010/main" val="658725029"/>
+        <p14:creationId xmlns:p14="http://schemas.microsoft.com/office/powerpoint/2010/main" val="3579389307"/>
       </p:ext>
     </p:extLst>
   </p:cSld>
@@ -4744,7 +4801,7 @@
           <p:cNvPr id="2" name="标题 1">
             <a:extLst>
               <a:ext uri="{FF2B5EF4-FFF2-40B4-BE49-F238E27FC236}">
-                <a16:creationId xmlns:a16="http://schemas.microsoft.com/office/drawing/2014/main" id="{5353768F-A595-D247-9910-063B3537E740}"/>
+                <a16:creationId xmlns:a16="http://schemas.microsoft.com/office/drawing/2014/main" id="{7D957AD8-7BC6-C04C-A4FB-6C259F9FD605}"/>
               </a:ext>
             </a:extLst>
           </p:cNvPr>
@@ -4762,7 +4819,15 @@
           <a:p>
             <a:r>
               <a:rPr kumimoji="1" lang="en" altLang="zh-CN" dirty="0"/>
-              <a:t>18.What is packaging available?</a:t>
+              <a:t>What is </a:t>
+            </a:r>
+            <a:r>
+              <a:rPr kumimoji="1" lang="en" altLang="zh-CN" dirty="0" err="1"/>
+              <a:t>pom.xml</a:t>
+            </a:r>
+            <a:r>
+              <a:rPr kumimoji="1" lang="en" altLang="zh-CN" dirty="0"/>
+              <a:t> ?  </a:t>
             </a:r>
             <a:endParaRPr kumimoji="1" lang="zh-CN" altLang="en-US" dirty="0"/>
           </a:p>
@@ -4773,7 +4838,7 @@
           <p:cNvPr id="3" name="内容占位符 2">
             <a:extLst>
               <a:ext uri="{FF2B5EF4-FFF2-40B4-BE49-F238E27FC236}">
-                <a16:creationId xmlns:a16="http://schemas.microsoft.com/office/drawing/2014/main" id="{61B4534D-96F9-0E45-B411-452E30282C79}"/>
+                <a16:creationId xmlns:a16="http://schemas.microsoft.com/office/drawing/2014/main" id="{58BEC55E-9AF0-914C-BA1D-FC4E97D63A79}"/>
               </a:ext>
             </a:extLst>
           </p:cNvPr>
@@ -4796,7 +4861,7 @@
     </p:spTree>
     <p:extLst>
       <p:ext uri="{BB962C8B-B14F-4D97-AF65-F5344CB8AC3E}">
-        <p14:creationId xmlns:p14="http://schemas.microsoft.com/office/powerpoint/2010/main" val="582706286"/>
+        <p14:creationId xmlns:p14="http://schemas.microsoft.com/office/powerpoint/2010/main" val="658725029"/>
       </p:ext>
     </p:extLst>
   </p:cSld>
@@ -4825,208 +4890,163 @@
       </p:grpSpPr>
       <p:sp>
         <p:nvSpPr>
-          <p:cNvPr id="3" name="内容占位符 2">
-            <a:extLst>
-              <a:ext uri="{FF2B5EF4-FFF2-40B4-BE49-F238E27FC236}">
-                <a16:creationId xmlns:a16="http://schemas.microsoft.com/office/drawing/2014/main" id="{8D154EF4-624D-BE4C-BBC3-0F049A430A5E}"/>
-              </a:ext>
-            </a:extLst>
-          </p:cNvPr>
-          <p:cNvSpPr>
-            <a:spLocks noGrp="1"/>
-          </p:cNvSpPr>
+          <p:cNvPr id="2" name="标题 1">
+            <a:extLst>
+              <a:ext uri="{FF2B5EF4-FFF2-40B4-BE49-F238E27FC236}">
+                <a16:creationId xmlns:a16="http://schemas.microsoft.com/office/drawing/2014/main" id="{A30DFE80-12AF-C846-8810-A690814A497F}"/>
+              </a:ext>
+            </a:extLst>
+          </p:cNvPr>
+          <p:cNvSpPr>
+            <a:spLocks noGrp="1"/>
+          </p:cNvSpPr>
+          <p:nvPr>
+            <p:ph type="title"/>
+          </p:nvPr>
+        </p:nvSpPr>
+        <p:spPr/>
+        <p:txBody>
+          <a:bodyPr>
+            <a:normAutofit fontScale="90000"/>
+          </a:bodyPr>
+          <a:lstStyle/>
+          <a:p>
+            <a:r>
+              <a:rPr kumimoji="1" lang="en" altLang="zh-CN" dirty="0"/>
+              <a:t>156.What are the differences between the two data structures: a Vector and an </a:t>
+            </a:r>
+            <a:r>
+              <a:rPr kumimoji="1" lang="en" altLang="zh-CN" dirty="0" err="1"/>
+              <a:t>ArrayList</a:t>
+            </a:r>
+            <a:r>
+              <a:rPr kumimoji="1" lang="en" altLang="zh-CN" dirty="0"/>
+              <a:t>?</a:t>
+            </a:r>
+            <a:endParaRPr kumimoji="1" lang="zh-CN" altLang="en-US" dirty="0"/>
+          </a:p>
+        </p:txBody>
+      </p:sp>
+      <p:pic>
+        <p:nvPicPr>
+          <p:cNvPr id="4" name="内容占位符 3">
+            <a:extLst>
+              <a:ext uri="{FF2B5EF4-FFF2-40B4-BE49-F238E27FC236}">
+                <a16:creationId xmlns:a16="http://schemas.microsoft.com/office/drawing/2014/main" id="{11600279-E700-9E4E-862C-FAFA52776287}"/>
+              </a:ext>
+            </a:extLst>
+          </p:cNvPr>
+          <p:cNvPicPr>
+            <a:picLocks noGrp="1" noChangeAspect="1"/>
+          </p:cNvPicPr>
           <p:nvPr>
             <p:ph idx="1"/>
           </p:nvPr>
-        </p:nvSpPr>
+        </p:nvPicPr>
+        <p:blipFill>
+          <a:blip r:embed="rId2"/>
+          <a:stretch>
+            <a:fillRect/>
+          </a:stretch>
+        </p:blipFill>
         <p:spPr>
           <a:xfrm>
-            <a:off x="642257" y="617310"/>
-            <a:ext cx="10515600" cy="5326289"/>
+            <a:off x="3378762" y="1825625"/>
+            <a:ext cx="5434476" cy="4351338"/>
           </a:xfrm>
+          <a:prstGeom prst="rect">
+            <a:avLst/>
+          </a:prstGeom>
         </p:spPr>
-        <p:txBody>
-          <a:bodyPr>
-            <a:normAutofit fontScale="47500" lnSpcReduction="20000"/>
-          </a:bodyPr>
-          <a:lstStyle/>
-          <a:p>
-            <a:r>
-              <a:rPr kumimoji="1" lang="en" altLang="zh-CN" dirty="0"/>
-              <a:t>156.What are the differences between the two data structures: a Vector and an </a:t>
-            </a:r>
-            <a:r>
-              <a:rPr kumimoji="1" lang="en" altLang="zh-CN" dirty="0" err="1"/>
-              <a:t>ArrayList</a:t>
-            </a:r>
-            <a:r>
-              <a:rPr kumimoji="1" lang="en" altLang="zh-CN" dirty="0"/>
-              <a:t>?</a:t>
-            </a:r>
-          </a:p>
-          <a:p>
-            <a:r>
-              <a:rPr kumimoji="1" lang="en" altLang="zh-CN" dirty="0"/>
-              <a:t>157.What are the differences between Collection and Collections in Java?</a:t>
-            </a:r>
-          </a:p>
-          <a:p>
-            <a:r>
-              <a:rPr kumimoji="1" lang="en" altLang="zh-CN" dirty="0"/>
-              <a:t>158.In which scenario, LinkedList is better than </a:t>
-            </a:r>
-            <a:r>
-              <a:rPr kumimoji="1" lang="en" altLang="zh-CN" dirty="0" err="1"/>
-              <a:t>ArrayList</a:t>
-            </a:r>
-            <a:r>
-              <a:rPr kumimoji="1" lang="en" altLang="zh-CN" dirty="0"/>
-              <a:t> in Java?</a:t>
-            </a:r>
-          </a:p>
-          <a:p>
-            <a:r>
-              <a:rPr kumimoji="1" lang="en" altLang="zh-CN" dirty="0"/>
-              <a:t>159.What are the differences between a List and Set collection in Java?</a:t>
-            </a:r>
-          </a:p>
-          <a:p>
-            <a:r>
-              <a:rPr kumimoji="1" lang="en" altLang="zh-CN" dirty="0"/>
-              <a:t>160.What are the differences between a HashSet and </a:t>
-            </a:r>
-            <a:r>
-              <a:rPr kumimoji="1" lang="en" altLang="zh-CN" dirty="0" err="1"/>
-              <a:t>TreeSet</a:t>
-            </a:r>
-            <a:r>
-              <a:rPr kumimoji="1" lang="en" altLang="zh-CN" dirty="0"/>
-              <a:t> collection in Java?</a:t>
-            </a:r>
-          </a:p>
-          <a:p>
-            <a:r>
-              <a:rPr kumimoji="1" lang="en" altLang="zh-CN" dirty="0"/>
-              <a:t>161. In Java, how will you decide when to use a List, Set or a Map collection?</a:t>
-            </a:r>
-          </a:p>
-          <a:p>
-            <a:r>
-              <a:rPr kumimoji="1" lang="en" altLang="zh-CN" dirty="0"/>
-              <a:t>162.What are the differences between a HashMap and a </a:t>
-            </a:r>
-            <a:r>
-              <a:rPr kumimoji="1" lang="en" altLang="zh-CN" dirty="0" err="1"/>
-              <a:t>Hashtable</a:t>
-            </a:r>
-            <a:r>
-              <a:rPr kumimoji="1" lang="en" altLang="zh-CN" dirty="0"/>
-              <a:t> in Java?</a:t>
-            </a:r>
-          </a:p>
-          <a:p>
-            <a:r>
-              <a:rPr kumimoji="1" lang="en" altLang="zh-CN" dirty="0"/>
-              <a:t>163.What are the differences between a HashMap and a </a:t>
-            </a:r>
-            <a:r>
-              <a:rPr kumimoji="1" lang="en" altLang="zh-CN" dirty="0" err="1"/>
-              <a:t>TreeMap</a:t>
-            </a:r>
-            <a:r>
-              <a:rPr kumimoji="1" lang="en" altLang="zh-CN" dirty="0"/>
-              <a:t>?</a:t>
-            </a:r>
-          </a:p>
-          <a:p>
-            <a:r>
-              <a:rPr kumimoji="1" lang="en" altLang="zh-CN" dirty="0"/>
-              <a:t>164.What are the differences between Comparable and Comparator?</a:t>
-            </a:r>
-          </a:p>
-          <a:p>
-            <a:r>
-              <a:rPr kumimoji="1" lang="en" altLang="zh-CN" dirty="0"/>
-              <a:t>165.In Java, what is the purpose of Properties file?</a:t>
-            </a:r>
-          </a:p>
-          <a:p>
-            <a:r>
-              <a:rPr kumimoji="1" lang="en" altLang="zh-CN" dirty="0"/>
-              <a:t>166.What is the reason for overriding equals() method?</a:t>
-            </a:r>
-          </a:p>
-          <a:p>
-            <a:r>
-              <a:rPr kumimoji="1" lang="en" altLang="zh-CN" dirty="0"/>
-              <a:t>167.How does </a:t>
-            </a:r>
-            <a:r>
-              <a:rPr kumimoji="1" lang="en" altLang="zh-CN" dirty="0" err="1"/>
-              <a:t>hashCode</a:t>
-            </a:r>
-            <a:r>
-              <a:rPr kumimoji="1" lang="en" altLang="zh-CN" dirty="0"/>
-              <a:t>() method work in Java?</a:t>
-            </a:r>
-          </a:p>
-          <a:p>
-            <a:r>
-              <a:rPr kumimoji="1" lang="en" altLang="zh-CN" dirty="0"/>
-              <a:t>168.Is it a good idea to use Generics in collections?</a:t>
-            </a:r>
-          </a:p>
-          <a:p>
-            <a:r>
-              <a:rPr kumimoji="1" lang="en" altLang="zh-CN" dirty="0"/>
-              <a:t>  </a:t>
-            </a:r>
-          </a:p>
-          <a:p>
-            <a:r>
-              <a:rPr kumimoji="1" lang="en" altLang="zh-CN" dirty="0"/>
-              <a:t>What is maven?</a:t>
-            </a:r>
-          </a:p>
-          <a:p>
-            <a:r>
-              <a:rPr kumimoji="1" lang="en" altLang="zh-CN" dirty="0"/>
-              <a:t>Life cycle in Maven?</a:t>
-            </a:r>
-          </a:p>
-          <a:p>
-            <a:r>
-              <a:rPr kumimoji="1" lang="en" altLang="zh-CN" dirty="0"/>
-              <a:t>Important commands in maven?</a:t>
-            </a:r>
-          </a:p>
-          <a:p>
-            <a:r>
-              <a:rPr kumimoji="1" lang="en" altLang="zh-CN" dirty="0"/>
-              <a:t>What is </a:t>
-            </a:r>
-            <a:r>
-              <a:rPr kumimoji="1" lang="en" altLang="zh-CN" dirty="0" err="1"/>
-              <a:t>pom.xml</a:t>
-            </a:r>
-            <a:r>
-              <a:rPr kumimoji="1" lang="en" altLang="zh-CN" dirty="0"/>
-              <a:t> ?  </a:t>
-            </a:r>
-          </a:p>
-          <a:p>
-            <a:r>
-              <a:rPr kumimoji="1" lang="en" altLang="zh-CN" dirty="0"/>
-              <a:t>18.What is packaging available?</a:t>
-            </a:r>
-            <a:endParaRPr kumimoji="1" lang="zh-CN" altLang="en-US" dirty="0"/>
-          </a:p>
-        </p:txBody>
-      </p:sp>
+      </p:pic>
     </p:spTree>
     <p:extLst>
       <p:ext uri="{BB962C8B-B14F-4D97-AF65-F5344CB8AC3E}">
-        <p14:creationId xmlns:p14="http://schemas.microsoft.com/office/powerpoint/2010/main" val="997991949"/>
+        <p14:creationId xmlns:p14="http://schemas.microsoft.com/office/powerpoint/2010/main" val="1244459905"/>
+      </p:ext>
+    </p:extLst>
+  </p:cSld>
+  <p:clrMapOvr>
+    <a:masterClrMapping/>
+  </p:clrMapOvr>
+</p:sld>
+</file>
+
+<file path=ppt/slides/slide20.xml><?xml version="1.0" encoding="utf-8"?>
+<p:sld xmlns:a="http://schemas.openxmlformats.org/drawingml/2006/main" xmlns:r="http://schemas.openxmlformats.org/officeDocument/2006/relationships" xmlns:p="http://schemas.openxmlformats.org/presentationml/2006/main">
+  <p:cSld>
+    <p:spTree>
+      <p:nvGrpSpPr>
+        <p:cNvPr id="1" name=""/>
+        <p:cNvGrpSpPr/>
+        <p:nvPr/>
+      </p:nvGrpSpPr>
+      <p:grpSpPr>
+        <a:xfrm>
+          <a:off x="0" y="0"/>
+          <a:ext cx="0" cy="0"/>
+          <a:chOff x="0" y="0"/>
+          <a:chExt cx="0" cy="0"/>
+        </a:xfrm>
+      </p:grpSpPr>
+      <p:sp>
+        <p:nvSpPr>
+          <p:cNvPr id="2" name="标题 1">
+            <a:extLst>
+              <a:ext uri="{FF2B5EF4-FFF2-40B4-BE49-F238E27FC236}">
+                <a16:creationId xmlns:a16="http://schemas.microsoft.com/office/drawing/2014/main" id="{5353768F-A595-D247-9910-063B3537E740}"/>
+              </a:ext>
+            </a:extLst>
+          </p:cNvPr>
+          <p:cNvSpPr>
+            <a:spLocks noGrp="1"/>
+          </p:cNvSpPr>
+          <p:nvPr>
+            <p:ph type="title"/>
+          </p:nvPr>
+        </p:nvSpPr>
+        <p:spPr/>
+        <p:txBody>
+          <a:bodyPr/>
+          <a:lstStyle/>
+          <a:p>
+            <a:r>
+              <a:rPr kumimoji="1" lang="en" altLang="zh-CN" dirty="0"/>
+              <a:t>18.What is packaging available?</a:t>
+            </a:r>
+            <a:endParaRPr kumimoji="1" lang="zh-CN" altLang="en-US" dirty="0"/>
+          </a:p>
+        </p:txBody>
+      </p:sp>
+      <p:sp>
+        <p:nvSpPr>
+          <p:cNvPr id="3" name="内容占位符 2">
+            <a:extLst>
+              <a:ext uri="{FF2B5EF4-FFF2-40B4-BE49-F238E27FC236}">
+                <a16:creationId xmlns:a16="http://schemas.microsoft.com/office/drawing/2014/main" id="{61B4534D-96F9-0E45-B411-452E30282C79}"/>
+              </a:ext>
+            </a:extLst>
+          </p:cNvPr>
+          <p:cNvSpPr>
+            <a:spLocks noGrp="1"/>
+          </p:cNvSpPr>
+          <p:nvPr>
+            <p:ph idx="1"/>
+          </p:nvPr>
+        </p:nvSpPr>
+        <p:spPr/>
+        <p:txBody>
+          <a:bodyPr/>
+          <a:lstStyle/>
+          <a:p>
+            <a:endParaRPr kumimoji="1" lang="zh-CN" altLang="en-US"/>
+          </a:p>
+        </p:txBody>
+      </p:sp>
+    </p:spTree>
+    <p:extLst>
+      <p:ext uri="{BB962C8B-B14F-4D97-AF65-F5344CB8AC3E}">
+        <p14:creationId xmlns:p14="http://schemas.microsoft.com/office/powerpoint/2010/main" val="582706286"/>
       </p:ext>
     </p:extLst>
   </p:cSld>
@@ -5058,7 +5078,7 @@
           <p:cNvPr id="2" name="标题 1">
             <a:extLst>
               <a:ext uri="{FF2B5EF4-FFF2-40B4-BE49-F238E27FC236}">
-                <a16:creationId xmlns:a16="http://schemas.microsoft.com/office/drawing/2014/main" id="{A30DFE80-12AF-C846-8810-A690814A497F}"/>
+                <a16:creationId xmlns:a16="http://schemas.microsoft.com/office/drawing/2014/main" id="{06383627-F849-5C4E-85EB-24916B3C13E6}"/>
               </a:ext>
             </a:extLst>
           </p:cNvPr>
@@ -5072,55 +5092,54 @@
         <p:spPr/>
         <p:txBody>
           <a:bodyPr>
-            <a:normAutofit fontScale="90000"/>
+            <a:normAutofit/>
           </a:bodyPr>
           <a:lstStyle/>
           <a:p>
             <a:r>
               <a:rPr kumimoji="1" lang="en" altLang="zh-CN" dirty="0"/>
-              <a:t>156.What are the differences between the two data structures: a Vector and an </a:t>
-            </a:r>
-            <a:r>
-              <a:rPr kumimoji="1" lang="en" altLang="zh-CN" dirty="0" err="1"/>
-              <a:t>ArrayList</a:t>
-            </a:r>
-            <a:r>
-              <a:rPr kumimoji="1" lang="en" altLang="zh-CN" dirty="0"/>
-              <a:t>?</a:t>
+              <a:t>157.What are the differences between Collection and Collections in Java?</a:t>
             </a:r>
             <a:endParaRPr kumimoji="1" lang="zh-CN" altLang="en-US" dirty="0"/>
           </a:p>
         </p:txBody>
       </p:sp>
-      <p:sp>
-        <p:nvSpPr>
-          <p:cNvPr id="3" name="内容占位符 2">
-            <a:extLst>
-              <a:ext uri="{FF2B5EF4-FFF2-40B4-BE49-F238E27FC236}">
-                <a16:creationId xmlns:a16="http://schemas.microsoft.com/office/drawing/2014/main" id="{BDD9122D-54FB-6847-9C47-097A5DC32B2E}"/>
-              </a:ext>
-            </a:extLst>
-          </p:cNvPr>
-          <p:cNvSpPr>
-            <a:spLocks noGrp="1"/>
-          </p:cNvSpPr>
+      <p:pic>
+        <p:nvPicPr>
+          <p:cNvPr id="4" name="内容占位符 3">
+            <a:extLst>
+              <a:ext uri="{FF2B5EF4-FFF2-40B4-BE49-F238E27FC236}">
+                <a16:creationId xmlns:a16="http://schemas.microsoft.com/office/drawing/2014/main" id="{956D3C85-6E9C-5A43-9125-9E7E58EFF54F}"/>
+              </a:ext>
+            </a:extLst>
+          </p:cNvPr>
+          <p:cNvPicPr>
+            <a:picLocks noGrp="1" noChangeAspect="1"/>
+          </p:cNvPicPr>
           <p:nvPr>
             <p:ph idx="1"/>
           </p:nvPr>
-        </p:nvSpPr>
-        <p:spPr/>
-        <p:txBody>
-          <a:bodyPr/>
-          <a:lstStyle/>
-          <a:p>
-            <a:endParaRPr kumimoji="1" lang="zh-CN" altLang="en-US"/>
-          </a:p>
-        </p:txBody>
-      </p:sp>
+        </p:nvPicPr>
+        <p:blipFill>
+          <a:blip r:embed="rId2"/>
+          <a:stretch>
+            <a:fillRect/>
+          </a:stretch>
+        </p:blipFill>
+        <p:spPr>
+          <a:xfrm>
+            <a:off x="838200" y="1918015"/>
+            <a:ext cx="10515600" cy="4166558"/>
+          </a:xfrm>
+          <a:prstGeom prst="rect">
+            <a:avLst/>
+          </a:prstGeom>
+        </p:spPr>
+      </p:pic>
     </p:spTree>
     <p:extLst>
       <p:ext uri="{BB962C8B-B14F-4D97-AF65-F5344CB8AC3E}">
-        <p14:creationId xmlns:p14="http://schemas.microsoft.com/office/powerpoint/2010/main" val="1244459905"/>
+        <p14:creationId xmlns:p14="http://schemas.microsoft.com/office/powerpoint/2010/main" val="3158057903"/>
       </p:ext>
     </p:extLst>
   </p:cSld>
@@ -5152,7 +5171,7 @@
           <p:cNvPr id="2" name="标题 1">
             <a:extLst>
               <a:ext uri="{FF2B5EF4-FFF2-40B4-BE49-F238E27FC236}">
-                <a16:creationId xmlns:a16="http://schemas.microsoft.com/office/drawing/2014/main" id="{06383627-F849-5C4E-85EB-24916B3C13E6}"/>
+                <a16:creationId xmlns:a16="http://schemas.microsoft.com/office/drawing/2014/main" id="{11508CEE-2B8E-3E40-AA67-34871F9ED190}"/>
               </a:ext>
             </a:extLst>
           </p:cNvPr>
@@ -5172,41 +5191,56 @@
           <a:p>
             <a:r>
               <a:rPr kumimoji="1" lang="en" altLang="zh-CN" dirty="0"/>
-              <a:t>157.What are the differences between Collection and Collections in Java?</a:t>
+              <a:t>158.In which scenario, LinkedList is better than </a:t>
+            </a:r>
+            <a:r>
+              <a:rPr kumimoji="1" lang="en" altLang="zh-CN" dirty="0" err="1"/>
+              <a:t>ArrayList</a:t>
+            </a:r>
+            <a:r>
+              <a:rPr kumimoji="1" lang="en" altLang="zh-CN" dirty="0"/>
+              <a:t> in Java?</a:t>
             </a:r>
             <a:endParaRPr kumimoji="1" lang="zh-CN" altLang="en-US" dirty="0"/>
           </a:p>
         </p:txBody>
       </p:sp>
-      <p:sp>
-        <p:nvSpPr>
-          <p:cNvPr id="3" name="内容占位符 2">
-            <a:extLst>
-              <a:ext uri="{FF2B5EF4-FFF2-40B4-BE49-F238E27FC236}">
-                <a16:creationId xmlns:a16="http://schemas.microsoft.com/office/drawing/2014/main" id="{F16F104A-D193-5A47-A5BF-CB674E58C9FA}"/>
-              </a:ext>
-            </a:extLst>
-          </p:cNvPr>
-          <p:cNvSpPr>
-            <a:spLocks noGrp="1"/>
-          </p:cNvSpPr>
+      <p:pic>
+        <p:nvPicPr>
+          <p:cNvPr id="4" name="内容占位符 3">
+            <a:extLst>
+              <a:ext uri="{FF2B5EF4-FFF2-40B4-BE49-F238E27FC236}">
+                <a16:creationId xmlns:a16="http://schemas.microsoft.com/office/drawing/2014/main" id="{9E8486EB-E3F2-E04F-947D-080BFF540E9A}"/>
+              </a:ext>
+            </a:extLst>
+          </p:cNvPr>
+          <p:cNvPicPr>
+            <a:picLocks noGrp="1" noChangeAspect="1"/>
+          </p:cNvPicPr>
           <p:nvPr>
             <p:ph idx="1"/>
           </p:nvPr>
-        </p:nvSpPr>
-        <p:spPr/>
-        <p:txBody>
-          <a:bodyPr/>
-          <a:lstStyle/>
-          <a:p>
-            <a:endParaRPr kumimoji="1" lang="zh-CN" altLang="en-US"/>
-          </a:p>
-        </p:txBody>
-      </p:sp>
+        </p:nvPicPr>
+        <p:blipFill>
+          <a:blip r:embed="rId2"/>
+          <a:stretch>
+            <a:fillRect/>
+          </a:stretch>
+        </p:blipFill>
+        <p:spPr>
+          <a:xfrm>
+            <a:off x="3279256" y="1825625"/>
+            <a:ext cx="5633487" cy="4351338"/>
+          </a:xfrm>
+          <a:prstGeom prst="rect">
+            <a:avLst/>
+          </a:prstGeom>
+        </p:spPr>
+      </p:pic>
     </p:spTree>
     <p:extLst>
       <p:ext uri="{BB962C8B-B14F-4D97-AF65-F5344CB8AC3E}">
-        <p14:creationId xmlns:p14="http://schemas.microsoft.com/office/powerpoint/2010/main" val="3158057903"/>
+        <p14:creationId xmlns:p14="http://schemas.microsoft.com/office/powerpoint/2010/main" val="2501852047"/>
       </p:ext>
     </p:extLst>
   </p:cSld>
@@ -5266,41 +5300,48 @@
             </a:r>
             <a:r>
               <a:rPr kumimoji="1" lang="en" altLang="zh-CN" dirty="0"/>
-              <a:t> in Java?</a:t>
+              <a:t> in Java? Cont’d</a:t>
             </a:r>
             <a:endParaRPr kumimoji="1" lang="zh-CN" altLang="en-US" dirty="0"/>
           </a:p>
         </p:txBody>
       </p:sp>
-      <p:sp>
-        <p:nvSpPr>
-          <p:cNvPr id="3" name="内容占位符 2">
-            <a:extLst>
-              <a:ext uri="{FF2B5EF4-FFF2-40B4-BE49-F238E27FC236}">
-                <a16:creationId xmlns:a16="http://schemas.microsoft.com/office/drawing/2014/main" id="{76C50BE4-6FF7-5D40-A999-202472E7C33A}"/>
-              </a:ext>
-            </a:extLst>
-          </p:cNvPr>
-          <p:cNvSpPr>
-            <a:spLocks noGrp="1"/>
-          </p:cNvSpPr>
+      <p:pic>
+        <p:nvPicPr>
+          <p:cNvPr id="8" name="内容占位符 7">
+            <a:extLst>
+              <a:ext uri="{FF2B5EF4-FFF2-40B4-BE49-F238E27FC236}">
+                <a16:creationId xmlns:a16="http://schemas.microsoft.com/office/drawing/2014/main" id="{4A22DF13-FF3C-3B41-B44D-16C38BA989FA}"/>
+              </a:ext>
+            </a:extLst>
+          </p:cNvPr>
+          <p:cNvPicPr>
+            <a:picLocks noGrp="1" noChangeAspect="1"/>
+          </p:cNvPicPr>
           <p:nvPr>
             <p:ph idx="1"/>
           </p:nvPr>
-        </p:nvSpPr>
-        <p:spPr/>
-        <p:txBody>
-          <a:bodyPr/>
-          <a:lstStyle/>
-          <a:p>
-            <a:endParaRPr kumimoji="1" lang="zh-CN" altLang="en-US"/>
-          </a:p>
-        </p:txBody>
-      </p:sp>
+        </p:nvPicPr>
+        <p:blipFill>
+          <a:blip r:embed="rId2"/>
+          <a:stretch>
+            <a:fillRect/>
+          </a:stretch>
+        </p:blipFill>
+        <p:spPr>
+          <a:xfrm>
+            <a:off x="1984273" y="1825625"/>
+            <a:ext cx="8223453" cy="4351338"/>
+          </a:xfrm>
+          <a:prstGeom prst="rect">
+            <a:avLst/>
+          </a:prstGeom>
+        </p:spPr>
+      </p:pic>
     </p:spTree>
     <p:extLst>
       <p:ext uri="{BB962C8B-B14F-4D97-AF65-F5344CB8AC3E}">
-        <p14:creationId xmlns:p14="http://schemas.microsoft.com/office/powerpoint/2010/main" val="2501852047"/>
+        <p14:creationId xmlns:p14="http://schemas.microsoft.com/office/powerpoint/2010/main" val="312905962"/>
       </p:ext>
     </p:extLst>
   </p:cSld>
@@ -5358,31 +5399,38 @@
           </a:p>
         </p:txBody>
       </p:sp>
-      <p:sp>
-        <p:nvSpPr>
-          <p:cNvPr id="3" name="内容占位符 2">
-            <a:extLst>
-              <a:ext uri="{FF2B5EF4-FFF2-40B4-BE49-F238E27FC236}">
-                <a16:creationId xmlns:a16="http://schemas.microsoft.com/office/drawing/2014/main" id="{A3AD3B53-8014-4049-AF6D-3E8184147B42}"/>
-              </a:ext>
-            </a:extLst>
-          </p:cNvPr>
-          <p:cNvSpPr>
-            <a:spLocks noGrp="1"/>
-          </p:cNvSpPr>
+      <p:pic>
+        <p:nvPicPr>
+          <p:cNvPr id="4" name="内容占位符 3">
+            <a:extLst>
+              <a:ext uri="{FF2B5EF4-FFF2-40B4-BE49-F238E27FC236}">
+                <a16:creationId xmlns:a16="http://schemas.microsoft.com/office/drawing/2014/main" id="{C35956A6-40D5-D043-9C1A-B6C792DD1447}"/>
+              </a:ext>
+            </a:extLst>
+          </p:cNvPr>
+          <p:cNvPicPr>
+            <a:picLocks noGrp="1" noChangeAspect="1"/>
+          </p:cNvPicPr>
           <p:nvPr>
             <p:ph idx="1"/>
           </p:nvPr>
-        </p:nvSpPr>
-        <p:spPr/>
-        <p:txBody>
-          <a:bodyPr/>
-          <a:lstStyle/>
-          <a:p>
-            <a:endParaRPr kumimoji="1" lang="zh-CN" altLang="en-US"/>
-          </a:p>
-        </p:txBody>
-      </p:sp>
+        </p:nvPicPr>
+        <p:blipFill>
+          <a:blip r:embed="rId2"/>
+          <a:stretch>
+            <a:fillRect/>
+          </a:stretch>
+        </p:blipFill>
+        <p:spPr>
+          <a:xfrm>
+            <a:off x="1206531" y="1825625"/>
+            <a:ext cx="9778937" cy="4351338"/>
+          </a:xfrm>
+          <a:prstGeom prst="rect">
+            <a:avLst/>
+          </a:prstGeom>
+        </p:spPr>
+      </p:pic>
     </p:spTree>
     <p:extLst>
       <p:ext uri="{BB962C8B-B14F-4D97-AF65-F5344CB8AC3E}">
@@ -5429,7 +5477,12 @@
             <p:ph type="title"/>
           </p:nvPr>
         </p:nvSpPr>
-        <p:spPr/>
+        <p:spPr>
+          <a:xfrm>
+            <a:off x="0" y="-163961"/>
+            <a:ext cx="10515600" cy="1325563"/>
+          </a:xfrm>
+        </p:spPr>
         <p:txBody>
           <a:bodyPr>
             <a:normAutofit/>
@@ -5437,46 +5490,665 @@
           <a:lstStyle/>
           <a:p>
             <a:r>
-              <a:rPr kumimoji="1" lang="en" altLang="zh-CN" dirty="0"/>
+              <a:rPr kumimoji="1" lang="en" altLang="zh-CN" sz="2800" dirty="0"/>
               <a:t>160.What are the differences between a HashSet and </a:t>
             </a:r>
             <a:r>
-              <a:rPr kumimoji="1" lang="en" altLang="zh-CN" dirty="0" err="1"/>
+              <a:rPr kumimoji="1" lang="en" altLang="zh-CN" sz="2800" dirty="0" err="1"/>
               <a:t>TreeSet</a:t>
             </a:r>
             <a:r>
-              <a:rPr kumimoji="1" lang="en" altLang="zh-CN" dirty="0"/>
+              <a:rPr kumimoji="1" lang="en" altLang="zh-CN" sz="2800" dirty="0"/>
               <a:t> collection in Java?</a:t>
             </a:r>
-            <a:endParaRPr kumimoji="1" lang="zh-CN" altLang="en-US" dirty="0"/>
-          </a:p>
-        </p:txBody>
-      </p:sp>
-      <p:sp>
-        <p:nvSpPr>
-          <p:cNvPr id="3" name="内容占位符 2">
-            <a:extLst>
-              <a:ext uri="{FF2B5EF4-FFF2-40B4-BE49-F238E27FC236}">
-                <a16:creationId xmlns:a16="http://schemas.microsoft.com/office/drawing/2014/main" id="{B8F259FF-1F7E-F14C-A656-D181011FCC41}"/>
-              </a:ext>
-            </a:extLst>
-          </p:cNvPr>
-          <p:cNvSpPr>
-            <a:spLocks noGrp="1"/>
-          </p:cNvSpPr>
+            <a:endParaRPr kumimoji="1" lang="zh-CN" altLang="en-US" sz="2800" dirty="0"/>
+          </a:p>
+        </p:txBody>
+      </p:sp>
+      <p:graphicFrame>
+        <p:nvGraphicFramePr>
+          <p:cNvPr id="5" name="表格 5">
+            <a:extLst>
+              <a:ext uri="{FF2B5EF4-FFF2-40B4-BE49-F238E27FC236}">
+                <a16:creationId xmlns:a16="http://schemas.microsoft.com/office/drawing/2014/main" id="{6309AB3D-00BD-814B-B3A3-0C7C3EC58811}"/>
+              </a:ext>
+            </a:extLst>
+          </p:cNvPr>
+          <p:cNvGraphicFramePr>
+            <a:graphicFrameLocks noGrp="1"/>
+          </p:cNvGraphicFramePr>
           <p:nvPr>
             <p:ph idx="1"/>
-          </p:nvPr>
-        </p:nvSpPr>
-        <p:spPr/>
-        <p:txBody>
-          <a:bodyPr/>
-          <a:lstStyle/>
-          <a:p>
-            <a:endParaRPr kumimoji="1" lang="zh-CN" altLang="en-US"/>
-          </a:p>
-        </p:txBody>
-      </p:sp>
+            <p:extLst>
+              <p:ext uri="{D42A27DB-BD31-4B8C-83A1-F6EECF244321}">
+                <p14:modId xmlns:p14="http://schemas.microsoft.com/office/powerpoint/2010/main" val="3265740842"/>
+              </p:ext>
+            </p:extLst>
+          </p:nvPr>
+        </p:nvGraphicFramePr>
+        <p:xfrm>
+          <a:off x="149773" y="972416"/>
+          <a:ext cx="11892454" cy="5760720"/>
+        </p:xfrm>
+        <a:graphic>
+          <a:graphicData uri="http://schemas.openxmlformats.org/drawingml/2006/table">
+            <a:tbl>
+              <a:tblPr firstRow="1" bandRow="1">
+                <a:tableStyleId>{5C22544A-7EE6-4342-B048-85BDC9FD1C3A}</a:tableStyleId>
+              </a:tblPr>
+              <a:tblGrid>
+                <a:gridCol w="3479716">
+                  <a:extLst>
+                    <a:ext uri="{9D8B030D-6E8A-4147-A177-3AD203B41FA5}">
+                      <a16:colId xmlns:a16="http://schemas.microsoft.com/office/drawing/2014/main" val="3255724675"/>
+                    </a:ext>
+                  </a:extLst>
+                </a:gridCol>
+                <a:gridCol w="4448586">
+                  <a:extLst>
+                    <a:ext uri="{9D8B030D-6E8A-4147-A177-3AD203B41FA5}">
+                      <a16:colId xmlns:a16="http://schemas.microsoft.com/office/drawing/2014/main" val="3990473754"/>
+                    </a:ext>
+                  </a:extLst>
+                </a:gridCol>
+                <a:gridCol w="3964152">
+                  <a:extLst>
+                    <a:ext uri="{9D8B030D-6E8A-4147-A177-3AD203B41FA5}">
+                      <a16:colId xmlns:a16="http://schemas.microsoft.com/office/drawing/2014/main" val="3169934372"/>
+                    </a:ext>
+                  </a:extLst>
+                </a:gridCol>
+              </a:tblGrid>
+              <a:tr h="340805">
+                <a:tc>
+                  <a:txBody>
+                    <a:bodyPr/>
+                    <a:lstStyle/>
+                    <a:p>
+                      <a:r>
+                        <a:rPr lang="en-US" altLang="zh-CN" dirty="0"/>
+                        <a:t>Features</a:t>
+                      </a:r>
+                      <a:endParaRPr lang="zh-CN" altLang="en-US" dirty="0"/>
+                    </a:p>
+                  </a:txBody>
+                  <a:tcPr/>
+                </a:tc>
+                <a:tc>
+                  <a:txBody>
+                    <a:bodyPr/>
+                    <a:lstStyle/>
+                    <a:p>
+                      <a:r>
+                        <a:rPr lang="en-US" altLang="zh-CN" dirty="0"/>
+                        <a:t>HashSet</a:t>
+                      </a:r>
+                      <a:endParaRPr lang="zh-CN" altLang="en-US" dirty="0"/>
+                    </a:p>
+                  </a:txBody>
+                  <a:tcPr/>
+                </a:tc>
+                <a:tc>
+                  <a:txBody>
+                    <a:bodyPr/>
+                    <a:lstStyle/>
+                    <a:p>
+                      <a:r>
+                        <a:rPr lang="en-US" altLang="zh-CN" dirty="0" err="1"/>
+                        <a:t>TreeSet</a:t>
+                      </a:r>
+                      <a:endParaRPr lang="zh-CN" altLang="en-US" dirty="0"/>
+                    </a:p>
+                  </a:txBody>
+                  <a:tcPr/>
+                </a:tc>
+                <a:extLst>
+                  <a:ext uri="{0D108BD9-81ED-4DB2-BD59-A6C34878D82A}">
+                    <a16:rowId xmlns:a16="http://schemas.microsoft.com/office/drawing/2014/main" val="2375829840"/>
+                  </a:ext>
+                </a:extLst>
+              </a:tr>
+              <a:tr h="596409">
+                <a:tc>
+                  <a:txBody>
+                    <a:bodyPr/>
+                    <a:lstStyle/>
+                    <a:p>
+                      <a:r>
+                        <a:rPr lang="en-US" altLang="zh-CN" dirty="0"/>
+                        <a:t>Internet working</a:t>
+                      </a:r>
+                      <a:endParaRPr lang="zh-CN" altLang="en-US" dirty="0"/>
+                    </a:p>
+                  </a:txBody>
+                  <a:tcPr/>
+                </a:tc>
+                <a:tc>
+                  <a:txBody>
+                    <a:bodyPr/>
+                    <a:lstStyle/>
+                    <a:p>
+                      <a:r>
+                        <a:rPr lang="en" altLang="zh-CN" sz="1800" b="0" i="0" kern="1200" dirty="0">
+                          <a:solidFill>
+                            <a:schemeClr val="dk1"/>
+                          </a:solidFill>
+                          <a:effectLst/>
+                          <a:latin typeface="+mn-lt"/>
+                          <a:ea typeface="+mn-ea"/>
+                          <a:cs typeface="+mn-cs"/>
+                        </a:rPr>
+                        <a:t>HashSet internally uses HashMap for storing objects</a:t>
+                      </a:r>
+                      <a:endParaRPr lang="zh-CN" altLang="en-US" dirty="0"/>
+                    </a:p>
+                  </a:txBody>
+                  <a:tcPr/>
+                </a:tc>
+                <a:tc>
+                  <a:txBody>
+                    <a:bodyPr/>
+                    <a:lstStyle/>
+                    <a:p>
+                      <a:r>
+                        <a:rPr lang="en" altLang="zh-CN" sz="1800" b="0" i="0" kern="1200" dirty="0" err="1">
+                          <a:solidFill>
+                            <a:schemeClr val="dk1"/>
+                          </a:solidFill>
+                          <a:effectLst/>
+                          <a:latin typeface="+mn-lt"/>
+                          <a:ea typeface="+mn-ea"/>
+                          <a:cs typeface="+mn-cs"/>
+                        </a:rPr>
+                        <a:t>TreeSet</a:t>
+                      </a:r>
+                      <a:r>
+                        <a:rPr lang="en" altLang="zh-CN" sz="1800" b="0" i="0" kern="1200" dirty="0">
+                          <a:solidFill>
+                            <a:schemeClr val="dk1"/>
+                          </a:solidFill>
+                          <a:effectLst/>
+                          <a:latin typeface="+mn-lt"/>
+                          <a:ea typeface="+mn-ea"/>
+                          <a:cs typeface="+mn-cs"/>
+                        </a:rPr>
+                        <a:t> uses </a:t>
+                      </a:r>
+                      <a:r>
+                        <a:rPr lang="en" altLang="zh-CN" sz="1800" b="0" i="0" kern="1200" dirty="0" err="1">
+                          <a:solidFill>
+                            <a:schemeClr val="dk1"/>
+                          </a:solidFill>
+                          <a:effectLst/>
+                          <a:latin typeface="+mn-lt"/>
+                          <a:ea typeface="+mn-ea"/>
+                          <a:cs typeface="+mn-cs"/>
+                        </a:rPr>
+                        <a:t>TreeMap</a:t>
+                      </a:r>
+                      <a:r>
+                        <a:rPr lang="en" altLang="zh-CN" sz="1800" b="0" i="0" kern="1200" dirty="0">
+                          <a:solidFill>
+                            <a:schemeClr val="dk1"/>
+                          </a:solidFill>
+                          <a:effectLst/>
+                          <a:latin typeface="+mn-lt"/>
+                          <a:ea typeface="+mn-ea"/>
+                          <a:cs typeface="+mn-cs"/>
+                        </a:rPr>
+                        <a:t> internally to store objects</a:t>
+                      </a:r>
+                      <a:endParaRPr lang="zh-CN" altLang="en-US" dirty="0"/>
+                    </a:p>
+                  </a:txBody>
+                  <a:tcPr/>
+                </a:tc>
+                <a:extLst>
+                  <a:ext uri="{0D108BD9-81ED-4DB2-BD59-A6C34878D82A}">
+                    <a16:rowId xmlns:a16="http://schemas.microsoft.com/office/drawing/2014/main" val="3241666633"/>
+                  </a:ext>
+                </a:extLst>
+              </a:tr>
+              <a:tr h="852014">
+                <a:tc>
+                  <a:txBody>
+                    <a:bodyPr/>
+                    <a:lstStyle/>
+                    <a:p>
+                      <a:r>
+                        <a:rPr lang="en" altLang="zh-CN" sz="1800" b="0" i="0" kern="1200" dirty="0">
+                          <a:solidFill>
+                            <a:schemeClr val="dk1"/>
+                          </a:solidFill>
+                          <a:effectLst/>
+                          <a:latin typeface="+mn-lt"/>
+                          <a:ea typeface="+mn-ea"/>
+                          <a:cs typeface="+mn-cs"/>
+                        </a:rPr>
+                        <a:t>When To Use</a:t>
+                      </a:r>
+                      <a:endParaRPr lang="zh-CN" altLang="en-US" dirty="0"/>
+                    </a:p>
+                  </a:txBody>
+                  <a:tcPr/>
+                </a:tc>
+                <a:tc>
+                  <a:txBody>
+                    <a:bodyPr/>
+                    <a:lstStyle/>
+                    <a:p>
+                      <a:r>
+                        <a:rPr lang="en" altLang="zh-CN" sz="1800" b="0" i="0" kern="1200" dirty="0">
+                          <a:solidFill>
+                            <a:schemeClr val="dk1"/>
+                          </a:solidFill>
+                          <a:effectLst/>
+                          <a:latin typeface="+mn-lt"/>
+                          <a:ea typeface="+mn-ea"/>
+                          <a:cs typeface="+mn-cs"/>
+                        </a:rPr>
+                        <a:t>If you don’t want to maintain insertion order but want to store unique objects</a:t>
+                      </a:r>
+                      <a:endParaRPr lang="zh-CN" altLang="en-US" dirty="0"/>
+                    </a:p>
+                  </a:txBody>
+                  <a:tcPr/>
+                </a:tc>
+                <a:tc>
+                  <a:txBody>
+                    <a:bodyPr/>
+                    <a:lstStyle/>
+                    <a:p>
+                      <a:r>
+                        <a:rPr lang="en" altLang="zh-CN" sz="1800" b="0" i="0" kern="1200" dirty="0">
+                          <a:solidFill>
+                            <a:schemeClr val="dk1"/>
+                          </a:solidFill>
+                          <a:effectLst/>
+                          <a:latin typeface="+mn-lt"/>
+                          <a:ea typeface="+mn-ea"/>
+                          <a:cs typeface="+mn-cs"/>
+                        </a:rPr>
+                        <a:t>If you want to sort the elements according to some Comparator then use </a:t>
+                      </a:r>
+                      <a:r>
+                        <a:rPr lang="en" altLang="zh-CN" sz="1800" b="0" i="0" kern="1200" dirty="0" err="1">
+                          <a:solidFill>
+                            <a:schemeClr val="dk1"/>
+                          </a:solidFill>
+                          <a:effectLst/>
+                          <a:latin typeface="+mn-lt"/>
+                          <a:ea typeface="+mn-ea"/>
+                          <a:cs typeface="+mn-cs"/>
+                        </a:rPr>
+                        <a:t>TreeSet</a:t>
+                      </a:r>
+                      <a:endParaRPr lang="zh-CN" altLang="en-US" dirty="0"/>
+                    </a:p>
+                  </a:txBody>
+                  <a:tcPr/>
+                </a:tc>
+                <a:extLst>
+                  <a:ext uri="{0D108BD9-81ED-4DB2-BD59-A6C34878D82A}">
+                    <a16:rowId xmlns:a16="http://schemas.microsoft.com/office/drawing/2014/main" val="804902456"/>
+                  </a:ext>
+                </a:extLst>
+              </a:tr>
+              <a:tr h="1289888">
+                <a:tc>
+                  <a:txBody>
+                    <a:bodyPr/>
+                    <a:lstStyle/>
+                    <a:p>
+                      <a:r>
+                        <a:rPr lang="en" altLang="zh-CN" sz="1800" b="0" i="0" kern="1200" dirty="0">
+                          <a:solidFill>
+                            <a:schemeClr val="dk1"/>
+                          </a:solidFill>
+                          <a:effectLst/>
+                          <a:latin typeface="+mn-lt"/>
+                          <a:ea typeface="+mn-ea"/>
+                          <a:cs typeface="+mn-cs"/>
+                        </a:rPr>
+                        <a:t>Order</a:t>
+                      </a:r>
+                      <a:endParaRPr lang="zh-CN" altLang="en-US" dirty="0"/>
+                    </a:p>
+                  </a:txBody>
+                  <a:tcPr/>
+                </a:tc>
+                <a:tc>
+                  <a:txBody>
+                    <a:bodyPr/>
+                    <a:lstStyle/>
+                    <a:p>
+                      <a:r>
+                        <a:rPr lang="en" altLang="zh-CN" sz="1800" b="0" i="0" kern="1200" dirty="0">
+                          <a:solidFill>
+                            <a:schemeClr val="dk1"/>
+                          </a:solidFill>
+                          <a:effectLst/>
+                          <a:latin typeface="+mn-lt"/>
+                          <a:ea typeface="+mn-ea"/>
+                          <a:cs typeface="+mn-cs"/>
+                        </a:rPr>
+                        <a:t>HashSet does not maintain insertion order</a:t>
+                      </a:r>
+                      <a:endParaRPr lang="zh-CN" altLang="en-US" dirty="0"/>
+                    </a:p>
+                  </a:txBody>
+                  <a:tcPr/>
+                </a:tc>
+                <a:tc>
+                  <a:txBody>
+                    <a:bodyPr/>
+                    <a:lstStyle/>
+                    <a:p>
+                      <a:r>
+                        <a:rPr lang="en" altLang="zh-CN" sz="1800" b="0" i="0" kern="1200" dirty="0">
+                          <a:solidFill>
+                            <a:schemeClr val="dk1"/>
+                          </a:solidFill>
+                          <a:effectLst/>
+                          <a:latin typeface="+mn-lt"/>
+                          <a:ea typeface="+mn-ea"/>
+                          <a:cs typeface="+mn-cs"/>
+                        </a:rPr>
+                        <a:t>While </a:t>
+                      </a:r>
+                      <a:r>
+                        <a:rPr lang="en" altLang="zh-CN" sz="1800" b="0" i="0" kern="1200" dirty="0" err="1">
+                          <a:solidFill>
+                            <a:schemeClr val="dk1"/>
+                          </a:solidFill>
+                          <a:effectLst/>
+                          <a:latin typeface="+mn-lt"/>
+                          <a:ea typeface="+mn-ea"/>
+                          <a:cs typeface="+mn-cs"/>
+                        </a:rPr>
+                        <a:t>TreeSet</a:t>
+                      </a:r>
+                      <a:r>
+                        <a:rPr lang="en" altLang="zh-CN" sz="1800" b="0" i="0" kern="1200" dirty="0">
+                          <a:solidFill>
+                            <a:schemeClr val="dk1"/>
+                          </a:solidFill>
+                          <a:effectLst/>
+                          <a:latin typeface="+mn-lt"/>
+                          <a:ea typeface="+mn-ea"/>
+                          <a:cs typeface="+mn-cs"/>
+                        </a:rPr>
+                        <a:t> orders the elements according to supplied Comparator. By default, objects will be placed according to their natural ascending order.</a:t>
+                      </a:r>
+                      <a:endParaRPr lang="zh-CN" altLang="en-US" dirty="0"/>
+                    </a:p>
+                  </a:txBody>
+                  <a:tcPr/>
+                </a:tc>
+                <a:extLst>
+                  <a:ext uri="{0D108BD9-81ED-4DB2-BD59-A6C34878D82A}">
+                    <a16:rowId xmlns:a16="http://schemas.microsoft.com/office/drawing/2014/main" val="2702478652"/>
+                  </a:ext>
+                </a:extLst>
+              </a:tr>
+              <a:tr h="852014">
+                <a:tc>
+                  <a:txBody>
+                    <a:bodyPr/>
+                    <a:lstStyle/>
+                    <a:p>
+                      <a:r>
+                        <a:rPr lang="en" altLang="zh-CN" sz="1800" b="0" i="0" kern="1200" dirty="0">
+                          <a:solidFill>
+                            <a:schemeClr val="dk1"/>
+                          </a:solidFill>
+                          <a:effectLst/>
+                          <a:latin typeface="+mn-lt"/>
+                          <a:ea typeface="+mn-ea"/>
+                          <a:cs typeface="+mn-cs"/>
+                        </a:rPr>
+                        <a:t>Complexity of Operations</a:t>
+                      </a:r>
+                      <a:endParaRPr lang="zh-CN" altLang="en-US" dirty="0"/>
+                    </a:p>
+                  </a:txBody>
+                  <a:tcPr/>
+                </a:tc>
+                <a:tc>
+                  <a:txBody>
+                    <a:bodyPr/>
+                    <a:lstStyle/>
+                    <a:p>
+                      <a:r>
+                        <a:rPr lang="en" altLang="zh-CN" sz="1800" b="0" i="0" kern="1200" dirty="0">
+                          <a:solidFill>
+                            <a:schemeClr val="dk1"/>
+                          </a:solidFill>
+                          <a:effectLst/>
+                          <a:latin typeface="+mn-lt"/>
+                          <a:ea typeface="+mn-ea"/>
+                          <a:cs typeface="+mn-cs"/>
+                        </a:rPr>
+                        <a:t>HashSet gives O(1) complexity for insertion, removing, and retrieving objects</a:t>
+                      </a:r>
+                      <a:endParaRPr lang="zh-CN" altLang="en-US" dirty="0"/>
+                    </a:p>
+                  </a:txBody>
+                  <a:tcPr/>
+                </a:tc>
+                <a:tc>
+                  <a:txBody>
+                    <a:bodyPr/>
+                    <a:lstStyle/>
+                    <a:p>
+                      <a:r>
+                        <a:rPr lang="en" altLang="zh-CN" sz="1800" b="0" i="0" kern="1200" dirty="0">
+                          <a:solidFill>
+                            <a:schemeClr val="dk1"/>
+                          </a:solidFill>
+                          <a:effectLst/>
+                          <a:latin typeface="+mn-lt"/>
+                          <a:ea typeface="+mn-ea"/>
+                          <a:cs typeface="+mn-cs"/>
+                        </a:rPr>
+                        <a:t>While </a:t>
+                      </a:r>
+                      <a:r>
+                        <a:rPr lang="en" altLang="zh-CN" sz="1800" b="0" i="0" kern="1200" dirty="0" err="1">
+                          <a:solidFill>
+                            <a:schemeClr val="dk1"/>
+                          </a:solidFill>
+                          <a:effectLst/>
+                          <a:latin typeface="+mn-lt"/>
+                          <a:ea typeface="+mn-ea"/>
+                          <a:cs typeface="+mn-cs"/>
+                        </a:rPr>
+                        <a:t>TreeSet</a:t>
+                      </a:r>
+                      <a:r>
+                        <a:rPr lang="en" altLang="zh-CN" sz="1800" b="0" i="0" kern="1200" dirty="0">
+                          <a:solidFill>
+                            <a:schemeClr val="dk1"/>
+                          </a:solidFill>
+                          <a:effectLst/>
+                          <a:latin typeface="+mn-lt"/>
+                          <a:ea typeface="+mn-ea"/>
+                          <a:cs typeface="+mn-cs"/>
+                        </a:rPr>
+                        <a:t> gives the performance of order O(log(n)) for insertion, removing, and retrieving operations.</a:t>
+                      </a:r>
+                      <a:endParaRPr lang="zh-CN" altLang="en-US" dirty="0"/>
+                    </a:p>
+                  </a:txBody>
+                  <a:tcPr/>
+                </a:tc>
+                <a:extLst>
+                  <a:ext uri="{0D108BD9-81ED-4DB2-BD59-A6C34878D82A}">
+                    <a16:rowId xmlns:a16="http://schemas.microsoft.com/office/drawing/2014/main" val="1572165814"/>
+                  </a:ext>
+                </a:extLst>
+              </a:tr>
+              <a:tr h="1363222">
+                <a:tc>
+                  <a:txBody>
+                    <a:bodyPr/>
+                    <a:lstStyle/>
+                    <a:p>
+                      <a:r>
+                        <a:rPr lang="en" altLang="zh-CN" sz="1800" b="0" i="0" kern="1200" dirty="0">
+                          <a:solidFill>
+                            <a:schemeClr val="dk1"/>
+                          </a:solidFill>
+                          <a:effectLst/>
+                          <a:latin typeface="+mn-lt"/>
+                          <a:ea typeface="+mn-ea"/>
+                          <a:cs typeface="+mn-cs"/>
+                        </a:rPr>
+                        <a:t>Performance</a:t>
+                      </a:r>
+                      <a:endParaRPr lang="zh-CN" altLang="en-US" dirty="0"/>
+                    </a:p>
+                  </a:txBody>
+                  <a:tcPr/>
+                </a:tc>
+                <a:tc>
+                  <a:txBody>
+                    <a:bodyPr/>
+                    <a:lstStyle/>
+                    <a:p>
+                      <a:r>
+                        <a:rPr lang="en" altLang="zh-CN" sz="1800" b="0" i="0" kern="1200" dirty="0">
+                          <a:solidFill>
+                            <a:schemeClr val="dk1"/>
+                          </a:solidFill>
+                          <a:effectLst/>
+                          <a:latin typeface="+mn-lt"/>
+                          <a:ea typeface="+mn-ea"/>
+                          <a:cs typeface="+mn-cs"/>
+                        </a:rPr>
+                        <a:t>The performance of HashSet is better when compared to </a:t>
+                      </a:r>
+                      <a:r>
+                        <a:rPr lang="en" altLang="zh-CN" sz="1800" b="0" i="0" kern="1200" dirty="0" err="1">
+                          <a:solidFill>
+                            <a:schemeClr val="dk1"/>
+                          </a:solidFill>
+                          <a:effectLst/>
+                          <a:latin typeface="+mn-lt"/>
+                          <a:ea typeface="+mn-ea"/>
+                          <a:cs typeface="+mn-cs"/>
+                        </a:rPr>
+                        <a:t>LinkedHashSet</a:t>
+                      </a:r>
+                      <a:r>
+                        <a:rPr lang="en" altLang="zh-CN" sz="1800" b="0" i="0" kern="1200" dirty="0">
+                          <a:solidFill>
+                            <a:schemeClr val="dk1"/>
+                          </a:solidFill>
+                          <a:effectLst/>
+                          <a:latin typeface="+mn-lt"/>
+                          <a:ea typeface="+mn-ea"/>
+                          <a:cs typeface="+mn-cs"/>
+                        </a:rPr>
+                        <a:t> and </a:t>
+                      </a:r>
+                      <a:r>
+                        <a:rPr lang="en" altLang="zh-CN" sz="1800" b="0" i="0" kern="1200" dirty="0" err="1">
+                          <a:solidFill>
+                            <a:schemeClr val="dk1"/>
+                          </a:solidFill>
+                          <a:effectLst/>
+                          <a:latin typeface="+mn-lt"/>
+                          <a:ea typeface="+mn-ea"/>
+                          <a:cs typeface="+mn-cs"/>
+                        </a:rPr>
+                        <a:t>TreeSet</a:t>
+                      </a:r>
+                      <a:r>
+                        <a:rPr lang="en" altLang="zh-CN" sz="1800" b="0" i="0" kern="1200" dirty="0">
+                          <a:solidFill>
+                            <a:schemeClr val="dk1"/>
+                          </a:solidFill>
+                          <a:effectLst/>
+                          <a:latin typeface="+mn-lt"/>
+                          <a:ea typeface="+mn-ea"/>
+                          <a:cs typeface="+mn-cs"/>
+                        </a:rPr>
+                        <a:t>.</a:t>
+                      </a:r>
+                      <a:endParaRPr lang="zh-CN" altLang="en-US" dirty="0"/>
+                    </a:p>
+                  </a:txBody>
+                  <a:tcPr/>
+                </a:tc>
+                <a:tc>
+                  <a:txBody>
+                    <a:bodyPr/>
+                    <a:lstStyle/>
+                    <a:p>
+                      <a:r>
+                        <a:rPr lang="en" altLang="zh-CN" sz="1800" b="0" i="0" kern="1200" dirty="0" err="1">
+                          <a:solidFill>
+                            <a:schemeClr val="dk1"/>
+                          </a:solidFill>
+                          <a:effectLst/>
+                          <a:latin typeface="+mn-lt"/>
+                          <a:ea typeface="+mn-ea"/>
+                          <a:cs typeface="+mn-cs"/>
+                        </a:rPr>
+                        <a:t>TreeSet</a:t>
+                      </a:r>
+                      <a:r>
+                        <a:rPr lang="en" altLang="zh-CN" sz="1800" b="0" i="0" kern="1200" dirty="0">
+                          <a:solidFill>
+                            <a:schemeClr val="dk1"/>
+                          </a:solidFill>
+                          <a:effectLst/>
+                          <a:latin typeface="+mn-lt"/>
+                          <a:ea typeface="+mn-ea"/>
+                          <a:cs typeface="+mn-cs"/>
+                        </a:rPr>
+                        <a:t> performance is better than </a:t>
+                      </a:r>
+                      <a:r>
+                        <a:rPr lang="en" altLang="zh-CN" sz="1800" b="0" i="0" kern="1200" dirty="0" err="1">
+                          <a:solidFill>
+                            <a:schemeClr val="dk1"/>
+                          </a:solidFill>
+                          <a:effectLst/>
+                          <a:latin typeface="+mn-lt"/>
+                          <a:ea typeface="+mn-ea"/>
+                          <a:cs typeface="+mn-cs"/>
+                        </a:rPr>
+                        <a:t>LinkedHashSet</a:t>
+                      </a:r>
+                      <a:r>
+                        <a:rPr lang="en" altLang="zh-CN" sz="1800" b="0" i="0" kern="1200" dirty="0">
+                          <a:solidFill>
+                            <a:schemeClr val="dk1"/>
+                          </a:solidFill>
+                          <a:effectLst/>
+                          <a:latin typeface="+mn-lt"/>
+                          <a:ea typeface="+mn-ea"/>
+                          <a:cs typeface="+mn-cs"/>
+                        </a:rPr>
+                        <a:t> except for insertion and removal operations because it has to sort the elements after each insertion and removal operation.</a:t>
+                      </a:r>
+                      <a:endParaRPr lang="zh-CN" altLang="en-US" dirty="0"/>
+                    </a:p>
+                  </a:txBody>
+                  <a:tcPr/>
+                </a:tc>
+                <a:extLst>
+                  <a:ext uri="{0D108BD9-81ED-4DB2-BD59-A6C34878D82A}">
+                    <a16:rowId xmlns:a16="http://schemas.microsoft.com/office/drawing/2014/main" val="1561300293"/>
+                  </a:ext>
+                </a:extLst>
+              </a:tr>
+            </a:tbl>
+          </a:graphicData>
+        </a:graphic>
+      </p:graphicFrame>
     </p:spTree>
     <p:extLst>
       <p:ext uri="{BB962C8B-B14F-4D97-AF65-F5344CB8AC3E}">
@@ -5512,7 +6184,7 @@
           <p:cNvPr id="2" name="标题 1">
             <a:extLst>
               <a:ext uri="{FF2B5EF4-FFF2-40B4-BE49-F238E27FC236}">
-                <a16:creationId xmlns:a16="http://schemas.microsoft.com/office/drawing/2014/main" id="{C48745CB-407F-5747-9B27-6E92FFA48E35}"/>
+                <a16:creationId xmlns:a16="http://schemas.microsoft.com/office/drawing/2014/main" id="{FAE3C237-FEE0-9D4F-957D-E804F636D746}"/>
               </a:ext>
             </a:extLst>
           </p:cNvPr>
@@ -5523,7 +6195,12 @@
             <p:ph type="title"/>
           </p:nvPr>
         </p:nvSpPr>
-        <p:spPr/>
+        <p:spPr>
+          <a:xfrm>
+            <a:off x="0" y="-163961"/>
+            <a:ext cx="10515600" cy="1325563"/>
+          </a:xfrm>
+        </p:spPr>
         <p:txBody>
           <a:bodyPr>
             <a:normAutofit/>
@@ -5531,42 +6208,575 @@
           <a:lstStyle/>
           <a:p>
             <a:r>
-              <a:rPr kumimoji="1" lang="en" altLang="zh-CN" dirty="0"/>
-              <a:t>161. In Java, how will you decide when to use a List, Set or a Map collection?</a:t>
-            </a:r>
-            <a:endParaRPr kumimoji="1" lang="zh-CN" altLang="en-US" dirty="0"/>
-          </a:p>
-        </p:txBody>
-      </p:sp>
-      <p:sp>
-        <p:nvSpPr>
-          <p:cNvPr id="3" name="内容占位符 2">
-            <a:extLst>
-              <a:ext uri="{FF2B5EF4-FFF2-40B4-BE49-F238E27FC236}">
-                <a16:creationId xmlns:a16="http://schemas.microsoft.com/office/drawing/2014/main" id="{AD433DC5-E27D-AD4E-80A3-36F6B05391AF}"/>
-              </a:ext>
-            </a:extLst>
-          </p:cNvPr>
-          <p:cNvSpPr>
-            <a:spLocks noGrp="1"/>
-          </p:cNvSpPr>
+              <a:rPr kumimoji="1" lang="en" altLang="zh-CN" sz="2800" dirty="0"/>
+              <a:t>160.What are the differences between a HashSet and </a:t>
+            </a:r>
+            <a:r>
+              <a:rPr kumimoji="1" lang="en" altLang="zh-CN" sz="2800" dirty="0" err="1"/>
+              <a:t>TreeSet</a:t>
+            </a:r>
+            <a:r>
+              <a:rPr kumimoji="1" lang="en" altLang="zh-CN" sz="2800" dirty="0"/>
+              <a:t> collection in Java?</a:t>
+            </a:r>
+            <a:endParaRPr kumimoji="1" lang="zh-CN" altLang="en-US" sz="2800" dirty="0"/>
+          </a:p>
+        </p:txBody>
+      </p:sp>
+      <p:graphicFrame>
+        <p:nvGraphicFramePr>
+          <p:cNvPr id="5" name="表格 5">
+            <a:extLst>
+              <a:ext uri="{FF2B5EF4-FFF2-40B4-BE49-F238E27FC236}">
+                <a16:creationId xmlns:a16="http://schemas.microsoft.com/office/drawing/2014/main" id="{6309AB3D-00BD-814B-B3A3-0C7C3EC58811}"/>
+              </a:ext>
+            </a:extLst>
+          </p:cNvPr>
+          <p:cNvGraphicFramePr>
+            <a:graphicFrameLocks noGrp="1"/>
+          </p:cNvGraphicFramePr>
           <p:nvPr>
             <p:ph idx="1"/>
-          </p:nvPr>
-        </p:nvSpPr>
-        <p:spPr/>
-        <p:txBody>
-          <a:bodyPr/>
-          <a:lstStyle/>
-          <a:p>
-            <a:endParaRPr kumimoji="1" lang="zh-CN" altLang="en-US"/>
-          </a:p>
-        </p:txBody>
-      </p:sp>
+            <p:extLst>
+              <p:ext uri="{D42A27DB-BD31-4B8C-83A1-F6EECF244321}">
+                <p14:modId xmlns:p14="http://schemas.microsoft.com/office/powerpoint/2010/main" val="2981970698"/>
+              </p:ext>
+            </p:extLst>
+          </p:nvPr>
+        </p:nvGraphicFramePr>
+        <p:xfrm>
+          <a:off x="149773" y="972416"/>
+          <a:ext cx="11892454" cy="5699684"/>
+        </p:xfrm>
+        <a:graphic>
+          <a:graphicData uri="http://schemas.openxmlformats.org/drawingml/2006/table">
+            <a:tbl>
+              <a:tblPr firstRow="1" bandRow="1">
+                <a:tableStyleId>{5C22544A-7EE6-4342-B048-85BDC9FD1C3A}</a:tableStyleId>
+              </a:tblPr>
+              <a:tblGrid>
+                <a:gridCol w="3479716">
+                  <a:extLst>
+                    <a:ext uri="{9D8B030D-6E8A-4147-A177-3AD203B41FA5}">
+                      <a16:colId xmlns:a16="http://schemas.microsoft.com/office/drawing/2014/main" val="3255724675"/>
+                    </a:ext>
+                  </a:extLst>
+                </a:gridCol>
+                <a:gridCol w="4448586">
+                  <a:extLst>
+                    <a:ext uri="{9D8B030D-6E8A-4147-A177-3AD203B41FA5}">
+                      <a16:colId xmlns:a16="http://schemas.microsoft.com/office/drawing/2014/main" val="3990473754"/>
+                    </a:ext>
+                  </a:extLst>
+                </a:gridCol>
+                <a:gridCol w="3964152">
+                  <a:extLst>
+                    <a:ext uri="{9D8B030D-6E8A-4147-A177-3AD203B41FA5}">
+                      <a16:colId xmlns:a16="http://schemas.microsoft.com/office/drawing/2014/main" val="3169934372"/>
+                    </a:ext>
+                  </a:extLst>
+                </a:gridCol>
+              </a:tblGrid>
+              <a:tr h="340805">
+                <a:tc>
+                  <a:txBody>
+                    <a:bodyPr/>
+                    <a:lstStyle/>
+                    <a:p>
+                      <a:r>
+                        <a:rPr lang="en-US" altLang="zh-CN" dirty="0"/>
+                        <a:t>Features</a:t>
+                      </a:r>
+                      <a:endParaRPr lang="zh-CN" altLang="en-US" dirty="0"/>
+                    </a:p>
+                  </a:txBody>
+                  <a:tcPr/>
+                </a:tc>
+                <a:tc>
+                  <a:txBody>
+                    <a:bodyPr/>
+                    <a:lstStyle/>
+                    <a:p>
+                      <a:r>
+                        <a:rPr lang="en-US" altLang="zh-CN" dirty="0"/>
+                        <a:t>HashSet</a:t>
+                      </a:r>
+                      <a:endParaRPr lang="zh-CN" altLang="en-US" dirty="0"/>
+                    </a:p>
+                  </a:txBody>
+                  <a:tcPr/>
+                </a:tc>
+                <a:tc>
+                  <a:txBody>
+                    <a:bodyPr/>
+                    <a:lstStyle/>
+                    <a:p>
+                      <a:r>
+                        <a:rPr lang="en-US" altLang="zh-CN" dirty="0" err="1"/>
+                        <a:t>TreeSet</a:t>
+                      </a:r>
+                      <a:endParaRPr lang="zh-CN" altLang="en-US" dirty="0"/>
+                    </a:p>
+                  </a:txBody>
+                  <a:tcPr/>
+                </a:tc>
+                <a:extLst>
+                  <a:ext uri="{0D108BD9-81ED-4DB2-BD59-A6C34878D82A}">
+                    <a16:rowId xmlns:a16="http://schemas.microsoft.com/office/drawing/2014/main" val="2375829840"/>
+                  </a:ext>
+                </a:extLst>
+              </a:tr>
+              <a:tr h="596409">
+                <a:tc>
+                  <a:txBody>
+                    <a:bodyPr/>
+                    <a:lstStyle/>
+                    <a:p>
+                      <a:r>
+                        <a:rPr lang="en" altLang="zh-CN" sz="1800" b="0" i="0" kern="1200" dirty="0">
+                          <a:solidFill>
+                            <a:schemeClr val="dk1"/>
+                          </a:solidFill>
+                          <a:effectLst/>
+                          <a:latin typeface="+mn-lt"/>
+                          <a:ea typeface="+mn-ea"/>
+                          <a:cs typeface="+mn-cs"/>
+                        </a:rPr>
+                        <a:t>Compare</a:t>
+                      </a:r>
+                      <a:endParaRPr lang="zh-CN" altLang="en-US" dirty="0"/>
+                    </a:p>
+                  </a:txBody>
+                  <a:tcPr/>
+                </a:tc>
+                <a:tc>
+                  <a:txBody>
+                    <a:bodyPr/>
+                    <a:lstStyle/>
+                    <a:p>
+                      <a:r>
+                        <a:rPr lang="en" altLang="zh-CN" sz="1800" b="0" i="0" kern="1200" dirty="0">
+                          <a:solidFill>
+                            <a:schemeClr val="dk1"/>
+                          </a:solidFill>
+                          <a:effectLst/>
+                          <a:latin typeface="+mn-lt"/>
+                          <a:ea typeface="+mn-ea"/>
+                          <a:cs typeface="+mn-cs"/>
+                        </a:rPr>
+                        <a:t>HashSet uses equals() and </a:t>
+                      </a:r>
+                      <a:r>
+                        <a:rPr lang="en" altLang="zh-CN" sz="1800" b="0" i="0" kern="1200" dirty="0" err="1">
+                          <a:solidFill>
+                            <a:schemeClr val="dk1"/>
+                          </a:solidFill>
+                          <a:effectLst/>
+                          <a:latin typeface="+mn-lt"/>
+                          <a:ea typeface="+mn-ea"/>
+                          <a:cs typeface="+mn-cs"/>
+                        </a:rPr>
+                        <a:t>hashCode</a:t>
+                      </a:r>
+                      <a:r>
+                        <a:rPr lang="en" altLang="zh-CN" sz="1800" b="0" i="0" kern="1200" dirty="0">
+                          <a:solidFill>
+                            <a:schemeClr val="dk1"/>
+                          </a:solidFill>
+                          <a:effectLst/>
+                          <a:latin typeface="+mn-lt"/>
+                          <a:ea typeface="+mn-ea"/>
+                          <a:cs typeface="+mn-cs"/>
+                        </a:rPr>
+                        <a:t>() methods to compare the objects</a:t>
+                      </a:r>
+                      <a:endParaRPr lang="zh-CN" altLang="en-US" dirty="0"/>
+                    </a:p>
+                  </a:txBody>
+                  <a:tcPr/>
+                </a:tc>
+                <a:tc>
+                  <a:txBody>
+                    <a:bodyPr/>
+                    <a:lstStyle/>
+                    <a:p>
+                      <a:r>
+                        <a:rPr lang="en" altLang="zh-CN" sz="1800" b="0" i="0" kern="1200" dirty="0" err="1">
+                          <a:solidFill>
+                            <a:schemeClr val="dk1"/>
+                          </a:solidFill>
+                          <a:effectLst/>
+                          <a:latin typeface="+mn-lt"/>
+                          <a:ea typeface="+mn-ea"/>
+                          <a:cs typeface="+mn-cs"/>
+                        </a:rPr>
+                        <a:t>TreeSet</a:t>
+                      </a:r>
+                      <a:r>
+                        <a:rPr lang="en" altLang="zh-CN" sz="1800" b="0" i="0" kern="1200" dirty="0">
+                          <a:solidFill>
+                            <a:schemeClr val="dk1"/>
+                          </a:solidFill>
+                          <a:effectLst/>
+                          <a:latin typeface="+mn-lt"/>
+                          <a:ea typeface="+mn-ea"/>
+                          <a:cs typeface="+mn-cs"/>
+                        </a:rPr>
+                        <a:t> uses compare() and </a:t>
+                      </a:r>
+                      <a:r>
+                        <a:rPr lang="en" altLang="zh-CN" sz="1800" b="0" i="0" kern="1200" dirty="0" err="1">
+                          <a:solidFill>
+                            <a:schemeClr val="dk1"/>
+                          </a:solidFill>
+                          <a:effectLst/>
+                          <a:latin typeface="+mn-lt"/>
+                          <a:ea typeface="+mn-ea"/>
+                          <a:cs typeface="+mn-cs"/>
+                        </a:rPr>
+                        <a:t>compareTo</a:t>
+                      </a:r>
+                      <a:r>
+                        <a:rPr lang="en" altLang="zh-CN" sz="1800" b="0" i="0" kern="1200" dirty="0">
+                          <a:solidFill>
+                            <a:schemeClr val="dk1"/>
+                          </a:solidFill>
+                          <a:effectLst/>
+                          <a:latin typeface="+mn-lt"/>
+                          <a:ea typeface="+mn-ea"/>
+                          <a:cs typeface="+mn-cs"/>
+                        </a:rPr>
+                        <a:t>() methods to compare the objects</a:t>
+                      </a:r>
+                      <a:endParaRPr lang="zh-CN" altLang="en-US" dirty="0"/>
+                    </a:p>
+                  </a:txBody>
+                  <a:tcPr/>
+                </a:tc>
+                <a:extLst>
+                  <a:ext uri="{0D108BD9-81ED-4DB2-BD59-A6C34878D82A}">
+                    <a16:rowId xmlns:a16="http://schemas.microsoft.com/office/drawing/2014/main" val="3241666633"/>
+                  </a:ext>
+                </a:extLst>
+              </a:tr>
+              <a:tr h="852014">
+                <a:tc>
+                  <a:txBody>
+                    <a:bodyPr/>
+                    <a:lstStyle/>
+                    <a:p>
+                      <a:r>
+                        <a:rPr lang="en" altLang="zh-CN" sz="1800" b="0" i="0" kern="1200" dirty="0">
+                          <a:solidFill>
+                            <a:schemeClr val="dk1"/>
+                          </a:solidFill>
+                          <a:effectLst/>
+                          <a:latin typeface="+mn-lt"/>
+                          <a:ea typeface="+mn-ea"/>
+                          <a:cs typeface="+mn-cs"/>
+                        </a:rPr>
+                        <a:t>Null Elements</a:t>
+                      </a:r>
+                      <a:endParaRPr lang="zh-CN" altLang="en-US" dirty="0"/>
+                    </a:p>
+                  </a:txBody>
+                  <a:tcPr/>
+                </a:tc>
+                <a:tc>
+                  <a:txBody>
+                    <a:bodyPr/>
+                    <a:lstStyle/>
+                    <a:p>
+                      <a:r>
+                        <a:rPr lang="en" altLang="zh-CN" sz="1800" b="0" i="0" kern="1200" dirty="0">
+                          <a:solidFill>
+                            <a:schemeClr val="dk1"/>
+                          </a:solidFill>
+                          <a:effectLst/>
+                          <a:latin typeface="+mn-lt"/>
+                          <a:ea typeface="+mn-ea"/>
+                          <a:cs typeface="+mn-cs"/>
+                        </a:rPr>
+                        <a:t>HashSet allows only one null value.</a:t>
+                      </a:r>
+                      <a:endParaRPr lang="zh-CN" altLang="en-US" dirty="0"/>
+                    </a:p>
+                  </a:txBody>
+                  <a:tcPr/>
+                </a:tc>
+                <a:tc>
+                  <a:txBody>
+                    <a:bodyPr/>
+                    <a:lstStyle/>
+                    <a:p>
+                      <a:r>
+                        <a:rPr lang="en" altLang="zh-CN" sz="1800" b="0" i="0" kern="1200" dirty="0" err="1">
+                          <a:solidFill>
+                            <a:schemeClr val="dk1"/>
+                          </a:solidFill>
+                          <a:effectLst/>
+                          <a:latin typeface="+mn-lt"/>
+                          <a:ea typeface="+mn-ea"/>
+                          <a:cs typeface="+mn-cs"/>
+                        </a:rPr>
+                        <a:t>TreeSet</a:t>
+                      </a:r>
+                      <a:r>
+                        <a:rPr lang="en" altLang="zh-CN" sz="1800" b="0" i="0" kern="1200" dirty="0">
+                          <a:solidFill>
+                            <a:schemeClr val="dk1"/>
+                          </a:solidFill>
+                          <a:effectLst/>
+                          <a:latin typeface="+mn-lt"/>
+                          <a:ea typeface="+mn-ea"/>
+                          <a:cs typeface="+mn-cs"/>
+                        </a:rPr>
+                        <a:t> does not permit null value. If you insert null value into </a:t>
+                      </a:r>
+                      <a:r>
+                        <a:rPr lang="en" altLang="zh-CN" sz="1800" b="0" i="0" kern="1200" dirty="0" err="1">
+                          <a:solidFill>
+                            <a:schemeClr val="dk1"/>
+                          </a:solidFill>
+                          <a:effectLst/>
+                          <a:latin typeface="+mn-lt"/>
+                          <a:ea typeface="+mn-ea"/>
+                          <a:cs typeface="+mn-cs"/>
+                        </a:rPr>
+                        <a:t>TreeSet</a:t>
+                      </a:r>
+                      <a:r>
+                        <a:rPr lang="en" altLang="zh-CN" sz="1800" b="0" i="0" kern="1200" dirty="0">
+                          <a:solidFill>
+                            <a:schemeClr val="dk1"/>
+                          </a:solidFill>
+                          <a:effectLst/>
+                          <a:latin typeface="+mn-lt"/>
+                          <a:ea typeface="+mn-ea"/>
+                          <a:cs typeface="+mn-cs"/>
+                        </a:rPr>
+                        <a:t>, it will throw </a:t>
+                      </a:r>
+                      <a:r>
+                        <a:rPr lang="en" altLang="zh-CN" sz="1800" b="0" i="0" kern="1200" dirty="0" err="1">
+                          <a:solidFill>
+                            <a:schemeClr val="dk1"/>
+                          </a:solidFill>
+                          <a:effectLst/>
+                          <a:latin typeface="+mn-lt"/>
+                          <a:ea typeface="+mn-ea"/>
+                          <a:cs typeface="+mn-cs"/>
+                        </a:rPr>
+                        <a:t>NullPointerException</a:t>
+                      </a:r>
+                      <a:r>
+                        <a:rPr lang="en" altLang="zh-CN" sz="1800" b="0" i="0" kern="1200" dirty="0">
+                          <a:solidFill>
+                            <a:schemeClr val="dk1"/>
+                          </a:solidFill>
+                          <a:effectLst/>
+                          <a:latin typeface="+mn-lt"/>
+                          <a:ea typeface="+mn-ea"/>
+                          <a:cs typeface="+mn-cs"/>
+                        </a:rPr>
+                        <a:t>.</a:t>
+                      </a:r>
+                      <a:endParaRPr lang="zh-CN" altLang="en-US" dirty="0"/>
+                    </a:p>
+                  </a:txBody>
+                  <a:tcPr/>
+                </a:tc>
+                <a:extLst>
+                  <a:ext uri="{0D108BD9-81ED-4DB2-BD59-A6C34878D82A}">
+                    <a16:rowId xmlns:a16="http://schemas.microsoft.com/office/drawing/2014/main" val="804902456"/>
+                  </a:ext>
+                </a:extLst>
+              </a:tr>
+              <a:tr h="1289888">
+                <a:tc>
+                  <a:txBody>
+                    <a:bodyPr/>
+                    <a:lstStyle/>
+                    <a:p>
+                      <a:r>
+                        <a:rPr lang="en" altLang="zh-CN" sz="1800" b="0" i="0" kern="1200" dirty="0">
+                          <a:solidFill>
+                            <a:schemeClr val="dk1"/>
+                          </a:solidFill>
+                          <a:effectLst/>
+                          <a:latin typeface="+mn-lt"/>
+                          <a:ea typeface="+mn-ea"/>
+                          <a:cs typeface="+mn-cs"/>
+                        </a:rPr>
+                        <a:t>Syntax</a:t>
+                      </a:r>
+                      <a:endParaRPr lang="zh-CN" altLang="en-US" dirty="0"/>
+                    </a:p>
+                  </a:txBody>
+                  <a:tcPr/>
+                </a:tc>
+                <a:tc>
+                  <a:txBody>
+                    <a:bodyPr/>
+                    <a:lstStyle/>
+                    <a:p>
+                      <a:pPr algn="just" fontAlgn="base"/>
+                      <a:r>
+                        <a:rPr lang="en" sz="1250" b="0" dirty="0">
+                          <a:effectLst/>
+                        </a:rPr>
+                        <a:t>HashSet obj = new HashSet();</a:t>
+                      </a:r>
+                    </a:p>
+                  </a:txBody>
+                  <a:tcPr marL="95250" marR="95250" marT="133350" marB="133350" anchor="ctr"/>
+                </a:tc>
+                <a:tc>
+                  <a:txBody>
+                    <a:bodyPr/>
+                    <a:lstStyle/>
+                    <a:p>
+                      <a:r>
+                        <a:rPr lang="en" altLang="zh-CN" sz="1800" b="0" i="0" kern="1200" dirty="0" err="1">
+                          <a:solidFill>
+                            <a:schemeClr val="dk1"/>
+                          </a:solidFill>
+                          <a:effectLst/>
+                          <a:latin typeface="+mn-lt"/>
+                          <a:ea typeface="+mn-ea"/>
+                          <a:cs typeface="+mn-cs"/>
+                        </a:rPr>
+                        <a:t>TreeSet</a:t>
+                      </a:r>
+                      <a:r>
+                        <a:rPr lang="en" altLang="zh-CN" sz="1800" b="0" i="0" kern="1200" dirty="0">
+                          <a:solidFill>
+                            <a:schemeClr val="dk1"/>
+                          </a:solidFill>
+                          <a:effectLst/>
+                          <a:latin typeface="+mn-lt"/>
+                          <a:ea typeface="+mn-ea"/>
+                          <a:cs typeface="+mn-cs"/>
+                        </a:rPr>
+                        <a:t> obj = new </a:t>
+                      </a:r>
+                      <a:r>
+                        <a:rPr lang="en" altLang="zh-CN" sz="1800" b="0" i="0" kern="1200" dirty="0" err="1">
+                          <a:solidFill>
+                            <a:schemeClr val="dk1"/>
+                          </a:solidFill>
+                          <a:effectLst/>
+                          <a:latin typeface="+mn-lt"/>
+                          <a:ea typeface="+mn-ea"/>
+                          <a:cs typeface="+mn-cs"/>
+                        </a:rPr>
+                        <a:t>TreeSet</a:t>
+                      </a:r>
+                      <a:r>
+                        <a:rPr lang="en" altLang="zh-CN" sz="1800" b="0" i="0" kern="1200" dirty="0">
+                          <a:solidFill>
+                            <a:schemeClr val="dk1"/>
+                          </a:solidFill>
+                          <a:effectLst/>
+                          <a:latin typeface="+mn-lt"/>
+                          <a:ea typeface="+mn-ea"/>
+                          <a:cs typeface="+mn-cs"/>
+                        </a:rPr>
+                        <a:t>();</a:t>
+                      </a:r>
+                      <a:endParaRPr lang="zh-CN" altLang="en-US" dirty="0"/>
+                    </a:p>
+                  </a:txBody>
+                  <a:tcPr/>
+                </a:tc>
+                <a:extLst>
+                  <a:ext uri="{0D108BD9-81ED-4DB2-BD59-A6C34878D82A}">
+                    <a16:rowId xmlns:a16="http://schemas.microsoft.com/office/drawing/2014/main" val="2702478652"/>
+                  </a:ext>
+                </a:extLst>
+              </a:tr>
+              <a:tr h="852014">
+                <a:tc>
+                  <a:txBody>
+                    <a:bodyPr/>
+                    <a:lstStyle/>
+                    <a:p>
+                      <a:endParaRPr lang="zh-CN" altLang="en-US" dirty="0"/>
+                    </a:p>
+                  </a:txBody>
+                  <a:tcPr/>
+                </a:tc>
+                <a:tc>
+                  <a:txBody>
+                    <a:bodyPr/>
+                    <a:lstStyle/>
+                    <a:p>
+                      <a:endParaRPr lang="zh-CN" altLang="en-US" dirty="0"/>
+                    </a:p>
+                  </a:txBody>
+                  <a:tcPr/>
+                </a:tc>
+                <a:tc>
+                  <a:txBody>
+                    <a:bodyPr/>
+                    <a:lstStyle/>
+                    <a:p>
+                      <a:endParaRPr lang="zh-CN" altLang="en-US" dirty="0"/>
+                    </a:p>
+                  </a:txBody>
+                  <a:tcPr/>
+                </a:tc>
+                <a:extLst>
+                  <a:ext uri="{0D108BD9-81ED-4DB2-BD59-A6C34878D82A}">
+                    <a16:rowId xmlns:a16="http://schemas.microsoft.com/office/drawing/2014/main" val="1572165814"/>
+                  </a:ext>
+                </a:extLst>
+              </a:tr>
+              <a:tr h="1363222">
+                <a:tc>
+                  <a:txBody>
+                    <a:bodyPr/>
+                    <a:lstStyle/>
+                    <a:p>
+                      <a:endParaRPr lang="zh-CN" altLang="en-US" dirty="0"/>
+                    </a:p>
+                  </a:txBody>
+                  <a:tcPr/>
+                </a:tc>
+                <a:tc>
+                  <a:txBody>
+                    <a:bodyPr/>
+                    <a:lstStyle/>
+                    <a:p>
+                      <a:endParaRPr lang="zh-CN" altLang="en-US" dirty="0"/>
+                    </a:p>
+                  </a:txBody>
+                  <a:tcPr/>
+                </a:tc>
+                <a:tc>
+                  <a:txBody>
+                    <a:bodyPr/>
+                    <a:lstStyle/>
+                    <a:p>
+                      <a:endParaRPr lang="zh-CN" altLang="en-US" dirty="0"/>
+                    </a:p>
+                  </a:txBody>
+                  <a:tcPr/>
+                </a:tc>
+                <a:extLst>
+                  <a:ext uri="{0D108BD9-81ED-4DB2-BD59-A6C34878D82A}">
+                    <a16:rowId xmlns:a16="http://schemas.microsoft.com/office/drawing/2014/main" val="1561300293"/>
+                  </a:ext>
+                </a:extLst>
+              </a:tr>
+            </a:tbl>
+          </a:graphicData>
+        </a:graphic>
+      </p:graphicFrame>
     </p:spTree>
     <p:extLst>
       <p:ext uri="{BB962C8B-B14F-4D97-AF65-F5344CB8AC3E}">
-        <p14:creationId xmlns:p14="http://schemas.microsoft.com/office/powerpoint/2010/main" val="2340299936"/>
+        <p14:creationId xmlns:p14="http://schemas.microsoft.com/office/powerpoint/2010/main" val="3878024155"/>
       </p:ext>
     </p:extLst>
   </p:cSld>
@@ -5598,7 +6808,7 @@
           <p:cNvPr id="2" name="标题 1">
             <a:extLst>
               <a:ext uri="{FF2B5EF4-FFF2-40B4-BE49-F238E27FC236}">
-                <a16:creationId xmlns:a16="http://schemas.microsoft.com/office/drawing/2014/main" id="{DE23F795-B491-E04A-8ED1-257CCA005BC4}"/>
+                <a16:creationId xmlns:a16="http://schemas.microsoft.com/office/drawing/2014/main" id="{C48745CB-407F-5747-9B27-6E92FFA48E35}"/>
               </a:ext>
             </a:extLst>
           </p:cNvPr>
@@ -5618,49 +6828,48 @@
           <a:p>
             <a:r>
               <a:rPr kumimoji="1" lang="en" altLang="zh-CN" dirty="0"/>
-              <a:t>162.What are the differences between a HashMap and a </a:t>
-            </a:r>
-            <a:r>
-              <a:rPr kumimoji="1" lang="en" altLang="zh-CN" dirty="0" err="1"/>
-              <a:t>Hashtable</a:t>
-            </a:r>
-            <a:r>
-              <a:rPr kumimoji="1" lang="en" altLang="zh-CN" dirty="0"/>
-              <a:t> in Java?</a:t>
+              <a:t>161. In Java, how will you decide when to use a List, Set or a Map collection?</a:t>
             </a:r>
             <a:endParaRPr kumimoji="1" lang="zh-CN" altLang="en-US" dirty="0"/>
           </a:p>
         </p:txBody>
       </p:sp>
-      <p:sp>
-        <p:nvSpPr>
-          <p:cNvPr id="3" name="内容占位符 2">
-            <a:extLst>
-              <a:ext uri="{FF2B5EF4-FFF2-40B4-BE49-F238E27FC236}">
-                <a16:creationId xmlns:a16="http://schemas.microsoft.com/office/drawing/2014/main" id="{1517897E-22FE-9B4E-80F4-0048043E5431}"/>
-              </a:ext>
-            </a:extLst>
-          </p:cNvPr>
-          <p:cNvSpPr>
-            <a:spLocks noGrp="1"/>
-          </p:cNvSpPr>
+      <p:pic>
+        <p:nvPicPr>
+          <p:cNvPr id="4" name="内容占位符 3">
+            <a:extLst>
+              <a:ext uri="{FF2B5EF4-FFF2-40B4-BE49-F238E27FC236}">
+                <a16:creationId xmlns:a16="http://schemas.microsoft.com/office/drawing/2014/main" id="{2954D84B-99D3-9742-8006-B523F9690831}"/>
+              </a:ext>
+            </a:extLst>
+          </p:cNvPr>
+          <p:cNvPicPr>
+            <a:picLocks noGrp="1" noChangeAspect="1"/>
+          </p:cNvPicPr>
           <p:nvPr>
             <p:ph idx="1"/>
           </p:nvPr>
-        </p:nvSpPr>
-        <p:spPr/>
-        <p:txBody>
-          <a:bodyPr/>
-          <a:lstStyle/>
-          <a:p>
-            <a:endParaRPr kumimoji="1" lang="zh-CN" altLang="en-US"/>
-          </a:p>
-        </p:txBody>
-      </p:sp>
+        </p:nvPicPr>
+        <p:blipFill>
+          <a:blip r:embed="rId2"/>
+          <a:stretch>
+            <a:fillRect/>
+          </a:stretch>
+        </p:blipFill>
+        <p:spPr>
+          <a:xfrm>
+            <a:off x="3101594" y="1690688"/>
+            <a:ext cx="5811178" cy="4911903"/>
+          </a:xfrm>
+          <a:prstGeom prst="rect">
+            <a:avLst/>
+          </a:prstGeom>
+        </p:spPr>
+      </p:pic>
     </p:spTree>
     <p:extLst>
       <p:ext uri="{BB962C8B-B14F-4D97-AF65-F5344CB8AC3E}">
-        <p14:creationId xmlns:p14="http://schemas.microsoft.com/office/powerpoint/2010/main" val="3095731537"/>
+        <p14:creationId xmlns:p14="http://schemas.microsoft.com/office/powerpoint/2010/main" val="2340299936"/>
       </p:ext>
     </p:extLst>
   </p:cSld>
